--- a/PPT/01.자바스크립트 - 데이터 타입.pptx
+++ b/PPT/01.자바스크립트 - 데이터 타입.pptx
@@ -1632,18 +1632,18 @@
   <pc:docChgLst>
     <pc:chgData name="jeongkilyong" userId="42a1e730-e7ec-4950-9a60-48236c77d83b" providerId="ADAL" clId="{0BEE5A2E-8E7B-463D-9DC7-466A5FDCE6A1}"/>
     <pc:docChg chg="undo custSel modSld">
-      <pc:chgData name="jeongkilyong" userId="42a1e730-e7ec-4950-9a60-48236c77d83b" providerId="ADAL" clId="{0BEE5A2E-8E7B-463D-9DC7-466A5FDCE6A1}" dt="2024-02-27T14:16:40.209" v="67"/>
+      <pc:chgData name="jeongkilyong" userId="42a1e730-e7ec-4950-9a60-48236c77d83b" providerId="ADAL" clId="{0BEE5A2E-8E7B-463D-9DC7-466A5FDCE6A1}" dt="2024-02-29T03:59:01.615" v="134" actId="20577"/>
       <pc:docMkLst>
         <pc:docMk/>
       </pc:docMkLst>
       <pc:sldChg chg="modSp mod">
-        <pc:chgData name="jeongkilyong" userId="42a1e730-e7ec-4950-9a60-48236c77d83b" providerId="ADAL" clId="{0BEE5A2E-8E7B-463D-9DC7-466A5FDCE6A1}" dt="2024-02-27T03:56:48.942" v="11" actId="20577"/>
+        <pc:chgData name="jeongkilyong" userId="42a1e730-e7ec-4950-9a60-48236c77d83b" providerId="ADAL" clId="{0BEE5A2E-8E7B-463D-9DC7-466A5FDCE6A1}" dt="2024-02-29T03:44:53.019" v="112" actId="6549"/>
         <pc:sldMkLst>
           <pc:docMk/>
           <pc:sldMk cId="3485235614" sldId="292"/>
         </pc:sldMkLst>
         <pc:spChg chg="mod">
-          <ac:chgData name="jeongkilyong" userId="42a1e730-e7ec-4950-9a60-48236c77d83b" providerId="ADAL" clId="{0BEE5A2E-8E7B-463D-9DC7-466A5FDCE6A1}" dt="2024-02-27T03:56:48.942" v="11" actId="20577"/>
+          <ac:chgData name="jeongkilyong" userId="42a1e730-e7ec-4950-9a60-48236c77d83b" providerId="ADAL" clId="{0BEE5A2E-8E7B-463D-9DC7-466A5FDCE6A1}" dt="2024-02-29T03:44:53.019" v="112" actId="6549"/>
           <ac:spMkLst>
             <pc:docMk/>
             <pc:sldMk cId="3485235614" sldId="292"/>
@@ -1663,6 +1663,21 @@
             <pc:docMk/>
             <pc:sldMk cId="2773633433" sldId="293"/>
             <ac:spMk id="4" creationId="{8BA83490-67D1-48A7-9E3E-EF473E8F231B}"/>
+          </ac:spMkLst>
+        </pc:spChg>
+      </pc:sldChg>
+      <pc:sldChg chg="modSp mod">
+        <pc:chgData name="jeongkilyong" userId="42a1e730-e7ec-4950-9a60-48236c77d83b" providerId="ADAL" clId="{0BEE5A2E-8E7B-463D-9DC7-466A5FDCE6A1}" dt="2024-02-29T03:59:01.615" v="134" actId="20577"/>
+        <pc:sldMkLst>
+          <pc:docMk/>
+          <pc:sldMk cId="1942727681" sldId="296"/>
+        </pc:sldMkLst>
+        <pc:spChg chg="mod">
+          <ac:chgData name="jeongkilyong" userId="42a1e730-e7ec-4950-9a60-48236c77d83b" providerId="ADAL" clId="{0BEE5A2E-8E7B-463D-9DC7-466A5FDCE6A1}" dt="2024-02-29T03:59:01.615" v="134" actId="20577"/>
+          <ac:spMkLst>
+            <pc:docMk/>
+            <pc:sldMk cId="1942727681" sldId="296"/>
+            <ac:spMk id="4" creationId="{36A61F52-C7C9-44DD-A99A-6374000ED600}"/>
           </ac:spMkLst>
         </pc:spChg>
       </pc:sldChg>
@@ -1923,7 +1938,7 @@
             <a:fld id="{C5EB0431-1611-1744-95F0-8172773087C5}" type="datetimeFigureOut">
               <a:rPr lang="en-US" altLang="ko-Kore-KR" smtClean="0"/>
               <a:pPr/>
-              <a:t>2/27/2024</a:t>
+              <a:t>2/29/2024</a:t>
             </a:fld>
             <a:endParaRPr lang="ko-Kore-KR"/>
           </a:p>
@@ -2339,7 +2354,7 @@
           <a:p>
             <a:fld id="{5FD0AF26-B2D6-41C9-847A-12B3D1677265}" type="datetime1">
               <a:rPr kumimoji="1" lang="ko-KR" altLang="en-US" smtClean="0"/>
-              <a:t>2024-02-27</a:t>
+              <a:t>2024-02-29</a:t>
             </a:fld>
             <a:endParaRPr kumimoji="1" lang="ko-KR" altLang="en-US"/>
           </a:p>
@@ -2537,7 +2552,7 @@
           <a:p>
             <a:fld id="{11A845FB-4EAB-4F93-BE87-891FAC391B0C}" type="datetime1">
               <a:rPr kumimoji="1" lang="ko-KR" altLang="en-US" smtClean="0"/>
-              <a:t>2024-02-27</a:t>
+              <a:t>2024-02-29</a:t>
             </a:fld>
             <a:endParaRPr kumimoji="1" lang="ko-KR" altLang="en-US"/>
           </a:p>
@@ -2745,7 +2760,7 @@
           <a:p>
             <a:fld id="{6597FBCF-59BC-423C-A27E-A4E0342EEDF5}" type="datetime1">
               <a:rPr kumimoji="1" lang="ko-KR" altLang="en-US" smtClean="0"/>
-              <a:t>2024-02-27</a:t>
+              <a:t>2024-02-29</a:t>
             </a:fld>
             <a:endParaRPr kumimoji="1" lang="ko-KR" altLang="en-US"/>
           </a:p>
@@ -2943,7 +2958,7 @@
           <a:p>
             <a:fld id="{59DE6E8A-4C0D-4CC6-BBD6-2F945A6B3540}" type="datetime1">
               <a:rPr kumimoji="1" lang="ko-KR" altLang="en-US" smtClean="0"/>
-              <a:t>2024-02-27</a:t>
+              <a:t>2024-02-29</a:t>
             </a:fld>
             <a:endParaRPr kumimoji="1" lang="ko-KR" altLang="en-US"/>
           </a:p>
@@ -3218,7 +3233,7 @@
           <a:p>
             <a:fld id="{BEBFBD75-CCBA-4C22-86CA-859D220600AA}" type="datetime1">
               <a:rPr kumimoji="1" lang="ko-KR" altLang="en-US" smtClean="0"/>
-              <a:t>2024-02-27</a:t>
+              <a:t>2024-02-29</a:t>
             </a:fld>
             <a:endParaRPr kumimoji="1" lang="ko-KR" altLang="en-US"/>
           </a:p>
@@ -3483,7 +3498,7 @@
           <a:p>
             <a:fld id="{DB031150-5CB0-41C0-9104-5695DD253F49}" type="datetime1">
               <a:rPr kumimoji="1" lang="ko-KR" altLang="en-US" smtClean="0"/>
-              <a:t>2024-02-27</a:t>
+              <a:t>2024-02-29</a:t>
             </a:fld>
             <a:endParaRPr kumimoji="1" lang="ko-KR" altLang="en-US"/>
           </a:p>
@@ -3895,7 +3910,7 @@
           <a:p>
             <a:fld id="{0B78CFAD-1435-498E-ACFE-38131B135631}" type="datetime1">
               <a:rPr kumimoji="1" lang="ko-KR" altLang="en-US" smtClean="0"/>
-              <a:t>2024-02-27</a:t>
+              <a:t>2024-02-29</a:t>
             </a:fld>
             <a:endParaRPr kumimoji="1" lang="ko-KR" altLang="en-US"/>
           </a:p>
@@ -4036,7 +4051,7 @@
           <a:p>
             <a:fld id="{BF2AA6DB-F13D-4C47-BC2B-E1D25CB476ED}" type="datetime1">
               <a:rPr kumimoji="1" lang="ko-KR" altLang="en-US" smtClean="0"/>
-              <a:t>2024-02-27</a:t>
+              <a:t>2024-02-29</a:t>
             </a:fld>
             <a:endParaRPr kumimoji="1" lang="ko-KR" altLang="en-US"/>
           </a:p>
@@ -4149,7 +4164,7 @@
           <a:p>
             <a:fld id="{14FBB438-2880-4761-94BA-7F7996C8C3BD}" type="datetime1">
               <a:rPr kumimoji="1" lang="ko-KR" altLang="en-US" smtClean="0"/>
-              <a:t>2024-02-27</a:t>
+              <a:t>2024-02-29</a:t>
             </a:fld>
             <a:endParaRPr kumimoji="1" lang="ko-KR" altLang="en-US"/>
           </a:p>
@@ -4460,7 +4475,7 @@
           <a:p>
             <a:fld id="{C4D9C33D-E09A-4F6E-A7FA-CF959C3E6DEE}" type="datetime1">
               <a:rPr kumimoji="1" lang="ko-KR" altLang="en-US" smtClean="0"/>
-              <a:t>2024-02-27</a:t>
+              <a:t>2024-02-29</a:t>
             </a:fld>
             <a:endParaRPr kumimoji="1" lang="ko-KR" altLang="en-US"/>
           </a:p>
@@ -4748,7 +4763,7 @@
           <a:p>
             <a:fld id="{DB10E3DE-CCA8-4CB9-BDA2-4741B0CD6641}" type="datetime1">
               <a:rPr kumimoji="1" lang="ko-KR" altLang="en-US" smtClean="0"/>
-              <a:t>2024-02-27</a:t>
+              <a:t>2024-02-29</a:t>
             </a:fld>
             <a:endParaRPr kumimoji="1" lang="ko-KR" altLang="en-US"/>
           </a:p>
@@ -4991,7 +5006,7 @@
           <a:p>
             <a:fld id="{827CA893-2A65-4E72-A022-7CB16F3818A4}" type="datetime1">
               <a:rPr kumimoji="1" lang="ko-KR" altLang="en-US" smtClean="0"/>
-              <a:t>2024-02-27</a:t>
+              <a:t>2024-02-29</a:t>
             </a:fld>
             <a:endParaRPr kumimoji="1" lang="ko-KR" altLang="en-US"/>
           </a:p>
@@ -22449,7 +22464,7 @@
         <p:spPr bwMode="auto">
           <a:xfrm>
             <a:off x="395288" y="833820"/>
-            <a:ext cx="8353425" cy="3539430"/>
+            <a:ext cx="8353425" cy="4401205"/>
           </a:xfrm>
           <a:prstGeom prst="rect">
             <a:avLst/>
@@ -22555,7 +22570,61 @@
               <a:buChar char="•"/>
             </a:pPr>
             <a:r>
-              <a:rPr lang="ko-KR" altLang="en-US" b="0" dirty="0">
+              <a:rPr lang="ko-KR" altLang="en-US" b="0">
+                <a:latin typeface="Noto Sans CJK KR Regular" panose="020B0500000000000000" pitchFamily="34" charset="-127"/>
+                <a:ea typeface="Noto Sans CJK KR Regular" panose="020B0500000000000000" pitchFamily="34" charset="-127"/>
+              </a:rPr>
+              <a:t> </a:t>
+            </a:r>
+            <a:r>
+              <a:rPr lang="en-US" altLang="ko-KR">
+                <a:latin typeface="Noto Sans CJK KR Regular" panose="020B0500000000000000" pitchFamily="34" charset="-127"/>
+                <a:ea typeface="Noto Sans CJK KR Regular" panose="020B0500000000000000" pitchFamily="34" charset="-127"/>
+              </a:rPr>
+              <a:t>Live Server</a:t>
+            </a:r>
+          </a:p>
+          <a:p>
+            <a:pPr lvl="1">
+              <a:buFontTx/>
+              <a:buChar char="•"/>
+            </a:pPr>
+            <a:endParaRPr lang="en-US" altLang="ko-KR" b="0">
+              <a:latin typeface="Noto Sans CJK KR Regular" panose="020B0500000000000000" pitchFamily="34" charset="-127"/>
+              <a:ea typeface="Noto Sans CJK KR Regular" panose="020B0500000000000000" pitchFamily="34" charset="-127"/>
+            </a:endParaRPr>
+          </a:p>
+          <a:p>
+            <a:pPr>
+              <a:buFont typeface="맑은 고딕" pitchFamily="50" charset="-127"/>
+              <a:buChar char="▶"/>
+            </a:pPr>
+            <a:r>
+              <a:rPr lang="en-US" altLang="ko-KR" sz="2000">
+                <a:latin typeface="Noto Sans CJK KR Regular" panose="020B0500000000000000" pitchFamily="34" charset="-127"/>
+                <a:ea typeface="Noto Sans CJK KR Regular" panose="020B0500000000000000" pitchFamily="34" charset="-127"/>
+              </a:rPr>
+              <a:t> </a:t>
+            </a:r>
+            <a:r>
+              <a:rPr lang="ko-KR" altLang="en-US" sz="2000">
+                <a:latin typeface="Noto Sans CJK KR Regular" panose="020B0500000000000000" pitchFamily="34" charset="-127"/>
+                <a:ea typeface="Noto Sans CJK KR Regular" panose="020B0500000000000000" pitchFamily="34" charset="-127"/>
+              </a:rPr>
+              <a:t>백엔드 서버</a:t>
+            </a:r>
+            <a:endParaRPr lang="en-US" altLang="ko-KR" sz="2000">
+              <a:latin typeface="Noto Sans CJK KR Regular" panose="020B0500000000000000" pitchFamily="34" charset="-127"/>
+              <a:ea typeface="Noto Sans CJK KR Regular" panose="020B0500000000000000" pitchFamily="34" charset="-127"/>
+            </a:endParaRPr>
+          </a:p>
+          <a:p>
+            <a:pPr lvl="1">
+              <a:buFontTx/>
+              <a:buChar char="•"/>
+            </a:pPr>
+            <a:r>
+              <a:rPr lang="ko-KR" altLang="en-US" b="0">
                 <a:latin typeface="Noto Sans CJK KR Regular" panose="020B0500000000000000" pitchFamily="34" charset="-127"/>
                 <a:ea typeface="Noto Sans CJK KR Regular" panose="020B0500000000000000" pitchFamily="34" charset="-127"/>
               </a:rPr>
@@ -25912,7 +25981,7 @@
                 <a:latin typeface="Noto Sans CJK KR Regular" panose="020B0500000000000000" pitchFamily="34" charset="-127"/>
                 <a:ea typeface="Noto Sans CJK KR Regular" panose="020B0500000000000000" pitchFamily="34" charset="-127"/>
               </a:rPr>
-              <a:t>값뒤에 </a:t>
+              <a:t>값 뒤에 </a:t>
             </a:r>
             <a:r>
               <a:rPr lang="en-US" altLang="ko-KR" b="0">
@@ -26051,7 +26120,21 @@
                 <a:latin typeface="Noto Sans CJK KR Regular" panose="020B0500000000000000" pitchFamily="34" charset="-127"/>
                 <a:ea typeface="Noto Sans CJK KR Regular" panose="020B0500000000000000" pitchFamily="34" charset="-127"/>
               </a:rPr>
-              <a:t> var s1 = Symbol();</a:t>
+              <a:t> var s1 = Symbol('</a:t>
+            </a:r>
+            <a:r>
+              <a:rPr lang="en-US" altLang="ko-KR">
+                <a:latin typeface="Noto Sans CJK KR Regular" panose="020B0500000000000000" pitchFamily="34" charset="-127"/>
+                <a:ea typeface="Noto Sans CJK KR Regular" panose="020B0500000000000000" pitchFamily="34" charset="-127"/>
+              </a:rPr>
+              <a:t>hello'</a:t>
+            </a:r>
+            <a:r>
+              <a:rPr lang="en-US" altLang="ko-KR" b="0">
+                <a:latin typeface="Noto Sans CJK KR Regular" panose="020B0500000000000000" pitchFamily="34" charset="-127"/>
+                <a:ea typeface="Noto Sans CJK KR Regular" panose="020B0500000000000000" pitchFamily="34" charset="-127"/>
+              </a:rPr>
+              <a:t>);</a:t>
             </a:r>
           </a:p>
           <a:p>
@@ -26065,7 +26148,7 @@
                 <a:latin typeface="Noto Sans CJK KR Regular" panose="020B0500000000000000" pitchFamily="34" charset="-127"/>
                 <a:ea typeface="Noto Sans CJK KR Regular" panose="020B0500000000000000" pitchFamily="34" charset="-127"/>
               </a:rPr>
-              <a:t> var s2 = Symbol();</a:t>
+              <a:t> var s2 = Symbol('hello');</a:t>
             </a:r>
           </a:p>
           <a:p>

--- a/PPT/01.자바스크립트 - 데이터 타입.pptx
+++ b/PPT/01.자바스크립트 - 데이터 타입.pptx
@@ -5,7 +5,7 @@
     <p:sldMasterId id="2147483648" r:id="rId1"/>
   </p:sldMasterIdLst>
   <p:notesMasterIdLst>
-    <p:notesMasterId r:id="rId28"/>
+    <p:notesMasterId r:id="rId29"/>
   </p:notesMasterIdLst>
   <p:sldIdLst>
     <p:sldId id="283" r:id="rId2"/>
@@ -30,10 +30,11 @@
     <p:sldId id="307" r:id="rId21"/>
     <p:sldId id="308" r:id="rId22"/>
     <p:sldId id="309" r:id="rId23"/>
-    <p:sldId id="310" r:id="rId24"/>
-    <p:sldId id="311" r:id="rId25"/>
-    <p:sldId id="312" r:id="rId26"/>
-    <p:sldId id="313" r:id="rId27"/>
+    <p:sldId id="317" r:id="rId24"/>
+    <p:sldId id="310" r:id="rId25"/>
+    <p:sldId id="311" r:id="rId26"/>
+    <p:sldId id="312" r:id="rId27"/>
+    <p:sldId id="313" r:id="rId28"/>
   </p:sldIdLst>
   <p:sldSz cx="12192000" cy="6858000"/>
   <p:notesSz cx="6858000" cy="9144000"/>
@@ -175,6 +176,229 @@
 
 <file path=ppt/changesInfos/changesInfo1.xml><?xml version="1.0" encoding="utf-8"?>
 <pc:chgInfo xmlns:a="http://schemas.openxmlformats.org/drawingml/2006/main" xmlns:r="http://schemas.openxmlformats.org/officeDocument/2006/relationships" xmlns:ac="http://schemas.microsoft.com/office/drawing/2013/main/command" xmlns:pc="http://schemas.microsoft.com/office/powerpoint/2013/main/command">
+  <pc:docChgLst>
+    <pc:chgData name="jeongkilyong" userId="42a1e730-e7ec-4950-9a60-48236c77d83b" providerId="ADAL" clId="{8DA2DABB-D701-4AE9-8579-5A3879B03B26}"/>
+    <pc:docChg chg="undo custSel modSld">
+      <pc:chgData name="jeongkilyong" userId="42a1e730-e7ec-4950-9a60-48236c77d83b" providerId="ADAL" clId="{8DA2DABB-D701-4AE9-8579-5A3879B03B26}" dt="2024-02-25T22:43:10.569" v="10" actId="14100"/>
+      <pc:docMkLst>
+        <pc:docMk/>
+      </pc:docMkLst>
+      <pc:sldChg chg="modSp mod">
+        <pc:chgData name="jeongkilyong" userId="42a1e730-e7ec-4950-9a60-48236c77d83b" providerId="ADAL" clId="{8DA2DABB-D701-4AE9-8579-5A3879B03B26}" dt="2024-02-25T22:42:19.641" v="6" actId="20577"/>
+        <pc:sldMkLst>
+          <pc:docMk/>
+          <pc:sldMk cId="3485235614" sldId="292"/>
+        </pc:sldMkLst>
+        <pc:spChg chg="mod">
+          <ac:chgData name="jeongkilyong" userId="42a1e730-e7ec-4950-9a60-48236c77d83b" providerId="ADAL" clId="{8DA2DABB-D701-4AE9-8579-5A3879B03B26}" dt="2024-02-25T22:42:19.641" v="6" actId="20577"/>
+          <ac:spMkLst>
+            <pc:docMk/>
+            <pc:sldMk cId="3485235614" sldId="292"/>
+            <ac:spMk id="5" creationId="{FB35D915-9598-4DE5-A561-CC6FE4D2171D}"/>
+          </ac:spMkLst>
+        </pc:spChg>
+      </pc:sldChg>
+      <pc:sldChg chg="modSp mod">
+        <pc:chgData name="jeongkilyong" userId="42a1e730-e7ec-4950-9a60-48236c77d83b" providerId="ADAL" clId="{8DA2DABB-D701-4AE9-8579-5A3879B03B26}" dt="2024-02-25T22:42:43.113" v="8" actId="20577"/>
+        <pc:sldMkLst>
+          <pc:docMk/>
+          <pc:sldMk cId="2773633433" sldId="293"/>
+        </pc:sldMkLst>
+        <pc:spChg chg="mod">
+          <ac:chgData name="jeongkilyong" userId="42a1e730-e7ec-4950-9a60-48236c77d83b" providerId="ADAL" clId="{8DA2DABB-D701-4AE9-8579-5A3879B03B26}" dt="2024-02-25T22:42:43.113" v="8" actId="20577"/>
+          <ac:spMkLst>
+            <pc:docMk/>
+            <pc:sldMk cId="2773633433" sldId="293"/>
+            <ac:spMk id="4" creationId="{8BA83490-67D1-48A7-9E3E-EF473E8F231B}"/>
+          </ac:spMkLst>
+        </pc:spChg>
+      </pc:sldChg>
+      <pc:sldChg chg="modSp mod">
+        <pc:chgData name="jeongkilyong" userId="42a1e730-e7ec-4950-9a60-48236c77d83b" providerId="ADAL" clId="{8DA2DABB-D701-4AE9-8579-5A3879B03B26}" dt="2024-02-25T22:43:10.569" v="10" actId="14100"/>
+        <pc:sldMkLst>
+          <pc:docMk/>
+          <pc:sldMk cId="4177267907" sldId="298"/>
+        </pc:sldMkLst>
+        <pc:spChg chg="mod">
+          <ac:chgData name="jeongkilyong" userId="42a1e730-e7ec-4950-9a60-48236c77d83b" providerId="ADAL" clId="{8DA2DABB-D701-4AE9-8579-5A3879B03B26}" dt="2024-02-25T22:43:06.906" v="9" actId="14100"/>
+          <ac:spMkLst>
+            <pc:docMk/>
+            <pc:sldMk cId="4177267907" sldId="298"/>
+            <ac:spMk id="5" creationId="{D4F16174-A0DD-4CD8-9811-A1B2A781A450}"/>
+          </ac:spMkLst>
+        </pc:spChg>
+        <pc:spChg chg="mod">
+          <ac:chgData name="jeongkilyong" userId="42a1e730-e7ec-4950-9a60-48236c77d83b" providerId="ADAL" clId="{8DA2DABB-D701-4AE9-8579-5A3879B03B26}" dt="2024-02-25T22:43:10.569" v="10" actId="14100"/>
+          <ac:spMkLst>
+            <pc:docMk/>
+            <pc:sldMk cId="4177267907" sldId="298"/>
+            <ac:spMk id="6" creationId="{D7A4E6A6-BF1C-4DE1-BCFB-692B4276AB25}"/>
+          </ac:spMkLst>
+        </pc:spChg>
+      </pc:sldChg>
+    </pc:docChg>
+  </pc:docChgLst>
+  <pc:docChgLst>
+    <pc:chgData name="jeongkilyong" userId="42a1e730-e7ec-4950-9a60-48236c77d83b" providerId="ADAL" clId="{0BEE5A2E-8E7B-463D-9DC7-466A5FDCE6A1}"/>
+    <pc:docChg chg="undo custSel modSld">
+      <pc:chgData name="jeongkilyong" userId="42a1e730-e7ec-4950-9a60-48236c77d83b" providerId="ADAL" clId="{0BEE5A2E-8E7B-463D-9DC7-466A5FDCE6A1}" dt="2024-02-29T03:59:01.615" v="134" actId="20577"/>
+      <pc:docMkLst>
+        <pc:docMk/>
+      </pc:docMkLst>
+      <pc:sldChg chg="modSp mod">
+        <pc:chgData name="jeongkilyong" userId="42a1e730-e7ec-4950-9a60-48236c77d83b" providerId="ADAL" clId="{0BEE5A2E-8E7B-463D-9DC7-466A5FDCE6A1}" dt="2024-02-29T03:44:53.019" v="112" actId="6549"/>
+        <pc:sldMkLst>
+          <pc:docMk/>
+          <pc:sldMk cId="3485235614" sldId="292"/>
+        </pc:sldMkLst>
+        <pc:spChg chg="mod">
+          <ac:chgData name="jeongkilyong" userId="42a1e730-e7ec-4950-9a60-48236c77d83b" providerId="ADAL" clId="{0BEE5A2E-8E7B-463D-9DC7-466A5FDCE6A1}" dt="2024-02-29T03:44:53.019" v="112" actId="6549"/>
+          <ac:spMkLst>
+            <pc:docMk/>
+            <pc:sldMk cId="3485235614" sldId="292"/>
+            <ac:spMk id="5" creationId="{FB35D915-9598-4DE5-A561-CC6FE4D2171D}"/>
+          </ac:spMkLst>
+        </pc:spChg>
+      </pc:sldChg>
+      <pc:sldChg chg="modSp mod">
+        <pc:chgData name="jeongkilyong" userId="42a1e730-e7ec-4950-9a60-48236c77d83b" providerId="ADAL" clId="{0BEE5A2E-8E7B-463D-9DC7-466A5FDCE6A1}" dt="2024-02-27T12:52:08.396" v="42" actId="20577"/>
+        <pc:sldMkLst>
+          <pc:docMk/>
+          <pc:sldMk cId="2773633433" sldId="293"/>
+        </pc:sldMkLst>
+        <pc:spChg chg="mod">
+          <ac:chgData name="jeongkilyong" userId="42a1e730-e7ec-4950-9a60-48236c77d83b" providerId="ADAL" clId="{0BEE5A2E-8E7B-463D-9DC7-466A5FDCE6A1}" dt="2024-02-27T12:52:08.396" v="42" actId="20577"/>
+          <ac:spMkLst>
+            <pc:docMk/>
+            <pc:sldMk cId="2773633433" sldId="293"/>
+            <ac:spMk id="4" creationId="{8BA83490-67D1-48A7-9E3E-EF473E8F231B}"/>
+          </ac:spMkLst>
+        </pc:spChg>
+      </pc:sldChg>
+      <pc:sldChg chg="modSp mod">
+        <pc:chgData name="jeongkilyong" userId="42a1e730-e7ec-4950-9a60-48236c77d83b" providerId="ADAL" clId="{0BEE5A2E-8E7B-463D-9DC7-466A5FDCE6A1}" dt="2024-02-29T03:59:01.615" v="134" actId="20577"/>
+        <pc:sldMkLst>
+          <pc:docMk/>
+          <pc:sldMk cId="1942727681" sldId="296"/>
+        </pc:sldMkLst>
+        <pc:spChg chg="mod">
+          <ac:chgData name="jeongkilyong" userId="42a1e730-e7ec-4950-9a60-48236c77d83b" providerId="ADAL" clId="{0BEE5A2E-8E7B-463D-9DC7-466A5FDCE6A1}" dt="2024-02-29T03:59:01.615" v="134" actId="20577"/>
+          <ac:spMkLst>
+            <pc:docMk/>
+            <pc:sldMk cId="1942727681" sldId="296"/>
+            <ac:spMk id="4" creationId="{36A61F52-C7C9-44DD-A99A-6374000ED600}"/>
+          </ac:spMkLst>
+        </pc:spChg>
+      </pc:sldChg>
+      <pc:sldChg chg="modSp mod">
+        <pc:chgData name="jeongkilyong" userId="42a1e730-e7ec-4950-9a60-48236c77d83b" providerId="ADAL" clId="{0BEE5A2E-8E7B-463D-9DC7-466A5FDCE6A1}" dt="2024-02-25T22:44:21.248" v="2" actId="14100"/>
+        <pc:sldMkLst>
+          <pc:docMk/>
+          <pc:sldMk cId="4177267907" sldId="298"/>
+        </pc:sldMkLst>
+        <pc:spChg chg="mod">
+          <ac:chgData name="jeongkilyong" userId="42a1e730-e7ec-4950-9a60-48236c77d83b" providerId="ADAL" clId="{0BEE5A2E-8E7B-463D-9DC7-466A5FDCE6A1}" dt="2024-02-25T22:44:21.248" v="2" actId="14100"/>
+          <ac:spMkLst>
+            <pc:docMk/>
+            <pc:sldMk cId="4177267907" sldId="298"/>
+            <ac:spMk id="4" creationId="{6232393F-E770-4191-8E24-16D784BD4E73}"/>
+          </ac:spMkLst>
+        </pc:spChg>
+      </pc:sldChg>
+      <pc:sldChg chg="modSp mod">
+        <pc:chgData name="jeongkilyong" userId="42a1e730-e7ec-4950-9a60-48236c77d83b" providerId="ADAL" clId="{0BEE5A2E-8E7B-463D-9DC7-466A5FDCE6A1}" dt="2024-02-25T22:46:24.152" v="7" actId="1076"/>
+        <pc:sldMkLst>
+          <pc:docMk/>
+          <pc:sldMk cId="2447935166" sldId="307"/>
+        </pc:sldMkLst>
+        <pc:spChg chg="mod">
+          <ac:chgData name="jeongkilyong" userId="42a1e730-e7ec-4950-9a60-48236c77d83b" providerId="ADAL" clId="{0BEE5A2E-8E7B-463D-9DC7-466A5FDCE6A1}" dt="2024-02-25T22:46:24.152" v="7" actId="1076"/>
+          <ac:spMkLst>
+            <pc:docMk/>
+            <pc:sldMk cId="2447935166" sldId="307"/>
+            <ac:spMk id="5" creationId="{BF33669B-9290-4296-AB98-DA067D3AD733}"/>
+          </ac:spMkLst>
+        </pc:spChg>
+      </pc:sldChg>
+      <pc:sldChg chg="modSp mod">
+        <pc:chgData name="jeongkilyong" userId="42a1e730-e7ec-4950-9a60-48236c77d83b" providerId="ADAL" clId="{0BEE5A2E-8E7B-463D-9DC7-466A5FDCE6A1}" dt="2024-02-27T14:16:05.161" v="58"/>
+        <pc:sldMkLst>
+          <pc:docMk/>
+          <pc:sldMk cId="1580071959" sldId="309"/>
+        </pc:sldMkLst>
+        <pc:spChg chg="mod">
+          <ac:chgData name="jeongkilyong" userId="42a1e730-e7ec-4950-9a60-48236c77d83b" providerId="ADAL" clId="{0BEE5A2E-8E7B-463D-9DC7-466A5FDCE6A1}" dt="2024-02-25T22:45:26.781" v="3" actId="14100"/>
+          <ac:spMkLst>
+            <pc:docMk/>
+            <pc:sldMk cId="1580071959" sldId="309"/>
+            <ac:spMk id="7" creationId="{B2B7D76C-76AF-4D79-8222-577DE51A01CD}"/>
+          </ac:spMkLst>
+        </pc:spChg>
+        <pc:spChg chg="mod">
+          <ac:chgData name="jeongkilyong" userId="42a1e730-e7ec-4950-9a60-48236c77d83b" providerId="ADAL" clId="{0BEE5A2E-8E7B-463D-9DC7-466A5FDCE6A1}" dt="2024-02-27T14:16:05.161" v="58"/>
+          <ac:spMkLst>
+            <pc:docMk/>
+            <pc:sldMk cId="1580071959" sldId="309"/>
+            <ac:spMk id="8" creationId="{F9BCDE1D-AC04-424D-B700-2CC60E46E5BC}"/>
+          </ac:spMkLst>
+        </pc:spChg>
+      </pc:sldChg>
+      <pc:sldChg chg="modSp mod">
+        <pc:chgData name="jeongkilyong" userId="42a1e730-e7ec-4950-9a60-48236c77d83b" providerId="ADAL" clId="{0BEE5A2E-8E7B-463D-9DC7-466A5FDCE6A1}" dt="2024-02-27T14:16:15.050" v="62"/>
+        <pc:sldMkLst>
+          <pc:docMk/>
+          <pc:sldMk cId="2719719894" sldId="310"/>
+        </pc:sldMkLst>
+        <pc:spChg chg="mod">
+          <ac:chgData name="jeongkilyong" userId="42a1e730-e7ec-4950-9a60-48236c77d83b" providerId="ADAL" clId="{0BEE5A2E-8E7B-463D-9DC7-466A5FDCE6A1}" dt="2024-02-27T14:16:13.064" v="60"/>
+          <ac:spMkLst>
+            <pc:docMk/>
+            <pc:sldMk cId="2719719894" sldId="310"/>
+            <ac:spMk id="5" creationId="{49F2BB90-CAF2-4AD6-ADB1-BCB916C80D87}"/>
+          </ac:spMkLst>
+        </pc:spChg>
+        <pc:spChg chg="mod">
+          <ac:chgData name="jeongkilyong" userId="42a1e730-e7ec-4950-9a60-48236c77d83b" providerId="ADAL" clId="{0BEE5A2E-8E7B-463D-9DC7-466A5FDCE6A1}" dt="2024-02-27T14:16:15.050" v="62"/>
+          <ac:spMkLst>
+            <pc:docMk/>
+            <pc:sldMk cId="2719719894" sldId="310"/>
+            <ac:spMk id="6" creationId="{16ABCCF1-5CE5-4744-89F2-2502FAFA6AF6}"/>
+          </ac:spMkLst>
+        </pc:spChg>
+      </pc:sldChg>
+      <pc:sldChg chg="modSp mod">
+        <pc:chgData name="jeongkilyong" userId="42a1e730-e7ec-4950-9a60-48236c77d83b" providerId="ADAL" clId="{0BEE5A2E-8E7B-463D-9DC7-466A5FDCE6A1}" dt="2024-02-27T14:16:40.209" v="67"/>
+        <pc:sldMkLst>
+          <pc:docMk/>
+          <pc:sldMk cId="1859253" sldId="313"/>
+        </pc:sldMkLst>
+        <pc:spChg chg="mod">
+          <ac:chgData name="jeongkilyong" userId="42a1e730-e7ec-4950-9a60-48236c77d83b" providerId="ADAL" clId="{0BEE5A2E-8E7B-463D-9DC7-466A5FDCE6A1}" dt="2024-02-27T14:16:33.106" v="64"/>
+          <ac:spMkLst>
+            <pc:docMk/>
+            <pc:sldMk cId="1859253" sldId="313"/>
+            <ac:spMk id="5" creationId="{2E7E4064-CE53-4D16-BB40-E275BDA9D1FE}"/>
+          </ac:spMkLst>
+        </pc:spChg>
+        <pc:spChg chg="mod">
+          <ac:chgData name="jeongkilyong" userId="42a1e730-e7ec-4950-9a60-48236c77d83b" providerId="ADAL" clId="{0BEE5A2E-8E7B-463D-9DC7-466A5FDCE6A1}" dt="2024-02-27T14:16:37.729" v="66"/>
+          <ac:spMkLst>
+            <pc:docMk/>
+            <pc:sldMk cId="1859253" sldId="313"/>
+            <ac:spMk id="6" creationId="{C45A26CD-8570-436E-BFE4-BADF87770CFE}"/>
+          </ac:spMkLst>
+        </pc:spChg>
+        <pc:spChg chg="mod">
+          <ac:chgData name="jeongkilyong" userId="42a1e730-e7ec-4950-9a60-48236c77d83b" providerId="ADAL" clId="{0BEE5A2E-8E7B-463D-9DC7-466A5FDCE6A1}" dt="2024-02-27T14:16:40.209" v="67"/>
+          <ac:spMkLst>
+            <pc:docMk/>
+            <pc:sldMk cId="1859253" sldId="313"/>
+            <ac:spMk id="7" creationId="{E9FC601D-B047-4EC7-A9F4-892DA9C8E6E3}"/>
+          </ac:spMkLst>
+        </pc:spChg>
+      </pc:sldChg>
+    </pc:docChg>
+  </pc:docChgLst>
   <pc:docChgLst>
     <pc:chgData name="jeongkilyong" userId="42a1e730-e7ec-4950-9a60-48236c77d83b" providerId="ADAL" clId="{68836CF2-79A1-495E-9E4B-E0587825BCCC}"/>
     <pc:docChg chg="undo custSel addSld delSld modSld modSection">
@@ -1629,229 +1853,6 @@
       </pc:sldChg>
     </pc:docChg>
   </pc:docChgLst>
-  <pc:docChgLst>
-    <pc:chgData name="jeongkilyong" userId="42a1e730-e7ec-4950-9a60-48236c77d83b" providerId="ADAL" clId="{0BEE5A2E-8E7B-463D-9DC7-466A5FDCE6A1}"/>
-    <pc:docChg chg="undo custSel modSld">
-      <pc:chgData name="jeongkilyong" userId="42a1e730-e7ec-4950-9a60-48236c77d83b" providerId="ADAL" clId="{0BEE5A2E-8E7B-463D-9DC7-466A5FDCE6A1}" dt="2024-02-29T03:59:01.615" v="134" actId="20577"/>
-      <pc:docMkLst>
-        <pc:docMk/>
-      </pc:docMkLst>
-      <pc:sldChg chg="modSp mod">
-        <pc:chgData name="jeongkilyong" userId="42a1e730-e7ec-4950-9a60-48236c77d83b" providerId="ADAL" clId="{0BEE5A2E-8E7B-463D-9DC7-466A5FDCE6A1}" dt="2024-02-29T03:44:53.019" v="112" actId="6549"/>
-        <pc:sldMkLst>
-          <pc:docMk/>
-          <pc:sldMk cId="3485235614" sldId="292"/>
-        </pc:sldMkLst>
-        <pc:spChg chg="mod">
-          <ac:chgData name="jeongkilyong" userId="42a1e730-e7ec-4950-9a60-48236c77d83b" providerId="ADAL" clId="{0BEE5A2E-8E7B-463D-9DC7-466A5FDCE6A1}" dt="2024-02-29T03:44:53.019" v="112" actId="6549"/>
-          <ac:spMkLst>
-            <pc:docMk/>
-            <pc:sldMk cId="3485235614" sldId="292"/>
-            <ac:spMk id="5" creationId="{FB35D915-9598-4DE5-A561-CC6FE4D2171D}"/>
-          </ac:spMkLst>
-        </pc:spChg>
-      </pc:sldChg>
-      <pc:sldChg chg="modSp mod">
-        <pc:chgData name="jeongkilyong" userId="42a1e730-e7ec-4950-9a60-48236c77d83b" providerId="ADAL" clId="{0BEE5A2E-8E7B-463D-9DC7-466A5FDCE6A1}" dt="2024-02-27T12:52:08.396" v="42" actId="20577"/>
-        <pc:sldMkLst>
-          <pc:docMk/>
-          <pc:sldMk cId="2773633433" sldId="293"/>
-        </pc:sldMkLst>
-        <pc:spChg chg="mod">
-          <ac:chgData name="jeongkilyong" userId="42a1e730-e7ec-4950-9a60-48236c77d83b" providerId="ADAL" clId="{0BEE5A2E-8E7B-463D-9DC7-466A5FDCE6A1}" dt="2024-02-27T12:52:08.396" v="42" actId="20577"/>
-          <ac:spMkLst>
-            <pc:docMk/>
-            <pc:sldMk cId="2773633433" sldId="293"/>
-            <ac:spMk id="4" creationId="{8BA83490-67D1-48A7-9E3E-EF473E8F231B}"/>
-          </ac:spMkLst>
-        </pc:spChg>
-      </pc:sldChg>
-      <pc:sldChg chg="modSp mod">
-        <pc:chgData name="jeongkilyong" userId="42a1e730-e7ec-4950-9a60-48236c77d83b" providerId="ADAL" clId="{0BEE5A2E-8E7B-463D-9DC7-466A5FDCE6A1}" dt="2024-02-29T03:59:01.615" v="134" actId="20577"/>
-        <pc:sldMkLst>
-          <pc:docMk/>
-          <pc:sldMk cId="1942727681" sldId="296"/>
-        </pc:sldMkLst>
-        <pc:spChg chg="mod">
-          <ac:chgData name="jeongkilyong" userId="42a1e730-e7ec-4950-9a60-48236c77d83b" providerId="ADAL" clId="{0BEE5A2E-8E7B-463D-9DC7-466A5FDCE6A1}" dt="2024-02-29T03:59:01.615" v="134" actId="20577"/>
-          <ac:spMkLst>
-            <pc:docMk/>
-            <pc:sldMk cId="1942727681" sldId="296"/>
-            <ac:spMk id="4" creationId="{36A61F52-C7C9-44DD-A99A-6374000ED600}"/>
-          </ac:spMkLst>
-        </pc:spChg>
-      </pc:sldChg>
-      <pc:sldChg chg="modSp mod">
-        <pc:chgData name="jeongkilyong" userId="42a1e730-e7ec-4950-9a60-48236c77d83b" providerId="ADAL" clId="{0BEE5A2E-8E7B-463D-9DC7-466A5FDCE6A1}" dt="2024-02-25T22:44:21.248" v="2" actId="14100"/>
-        <pc:sldMkLst>
-          <pc:docMk/>
-          <pc:sldMk cId="4177267907" sldId="298"/>
-        </pc:sldMkLst>
-        <pc:spChg chg="mod">
-          <ac:chgData name="jeongkilyong" userId="42a1e730-e7ec-4950-9a60-48236c77d83b" providerId="ADAL" clId="{0BEE5A2E-8E7B-463D-9DC7-466A5FDCE6A1}" dt="2024-02-25T22:44:21.248" v="2" actId="14100"/>
-          <ac:spMkLst>
-            <pc:docMk/>
-            <pc:sldMk cId="4177267907" sldId="298"/>
-            <ac:spMk id="4" creationId="{6232393F-E770-4191-8E24-16D784BD4E73}"/>
-          </ac:spMkLst>
-        </pc:spChg>
-      </pc:sldChg>
-      <pc:sldChg chg="modSp mod">
-        <pc:chgData name="jeongkilyong" userId="42a1e730-e7ec-4950-9a60-48236c77d83b" providerId="ADAL" clId="{0BEE5A2E-8E7B-463D-9DC7-466A5FDCE6A1}" dt="2024-02-25T22:46:24.152" v="7" actId="1076"/>
-        <pc:sldMkLst>
-          <pc:docMk/>
-          <pc:sldMk cId="2447935166" sldId="307"/>
-        </pc:sldMkLst>
-        <pc:spChg chg="mod">
-          <ac:chgData name="jeongkilyong" userId="42a1e730-e7ec-4950-9a60-48236c77d83b" providerId="ADAL" clId="{0BEE5A2E-8E7B-463D-9DC7-466A5FDCE6A1}" dt="2024-02-25T22:46:24.152" v="7" actId="1076"/>
-          <ac:spMkLst>
-            <pc:docMk/>
-            <pc:sldMk cId="2447935166" sldId="307"/>
-            <ac:spMk id="5" creationId="{BF33669B-9290-4296-AB98-DA067D3AD733}"/>
-          </ac:spMkLst>
-        </pc:spChg>
-      </pc:sldChg>
-      <pc:sldChg chg="modSp mod">
-        <pc:chgData name="jeongkilyong" userId="42a1e730-e7ec-4950-9a60-48236c77d83b" providerId="ADAL" clId="{0BEE5A2E-8E7B-463D-9DC7-466A5FDCE6A1}" dt="2024-02-27T14:16:05.161" v="58"/>
-        <pc:sldMkLst>
-          <pc:docMk/>
-          <pc:sldMk cId="1580071959" sldId="309"/>
-        </pc:sldMkLst>
-        <pc:spChg chg="mod">
-          <ac:chgData name="jeongkilyong" userId="42a1e730-e7ec-4950-9a60-48236c77d83b" providerId="ADAL" clId="{0BEE5A2E-8E7B-463D-9DC7-466A5FDCE6A1}" dt="2024-02-25T22:45:26.781" v="3" actId="14100"/>
-          <ac:spMkLst>
-            <pc:docMk/>
-            <pc:sldMk cId="1580071959" sldId="309"/>
-            <ac:spMk id="7" creationId="{B2B7D76C-76AF-4D79-8222-577DE51A01CD}"/>
-          </ac:spMkLst>
-        </pc:spChg>
-        <pc:spChg chg="mod">
-          <ac:chgData name="jeongkilyong" userId="42a1e730-e7ec-4950-9a60-48236c77d83b" providerId="ADAL" clId="{0BEE5A2E-8E7B-463D-9DC7-466A5FDCE6A1}" dt="2024-02-27T14:16:05.161" v="58"/>
-          <ac:spMkLst>
-            <pc:docMk/>
-            <pc:sldMk cId="1580071959" sldId="309"/>
-            <ac:spMk id="8" creationId="{F9BCDE1D-AC04-424D-B700-2CC60E46E5BC}"/>
-          </ac:spMkLst>
-        </pc:spChg>
-      </pc:sldChg>
-      <pc:sldChg chg="modSp mod">
-        <pc:chgData name="jeongkilyong" userId="42a1e730-e7ec-4950-9a60-48236c77d83b" providerId="ADAL" clId="{0BEE5A2E-8E7B-463D-9DC7-466A5FDCE6A1}" dt="2024-02-27T14:16:15.050" v="62"/>
-        <pc:sldMkLst>
-          <pc:docMk/>
-          <pc:sldMk cId="2719719894" sldId="310"/>
-        </pc:sldMkLst>
-        <pc:spChg chg="mod">
-          <ac:chgData name="jeongkilyong" userId="42a1e730-e7ec-4950-9a60-48236c77d83b" providerId="ADAL" clId="{0BEE5A2E-8E7B-463D-9DC7-466A5FDCE6A1}" dt="2024-02-27T14:16:13.064" v="60"/>
-          <ac:spMkLst>
-            <pc:docMk/>
-            <pc:sldMk cId="2719719894" sldId="310"/>
-            <ac:spMk id="5" creationId="{49F2BB90-CAF2-4AD6-ADB1-BCB916C80D87}"/>
-          </ac:spMkLst>
-        </pc:spChg>
-        <pc:spChg chg="mod">
-          <ac:chgData name="jeongkilyong" userId="42a1e730-e7ec-4950-9a60-48236c77d83b" providerId="ADAL" clId="{0BEE5A2E-8E7B-463D-9DC7-466A5FDCE6A1}" dt="2024-02-27T14:16:15.050" v="62"/>
-          <ac:spMkLst>
-            <pc:docMk/>
-            <pc:sldMk cId="2719719894" sldId="310"/>
-            <ac:spMk id="6" creationId="{16ABCCF1-5CE5-4744-89F2-2502FAFA6AF6}"/>
-          </ac:spMkLst>
-        </pc:spChg>
-      </pc:sldChg>
-      <pc:sldChg chg="modSp mod">
-        <pc:chgData name="jeongkilyong" userId="42a1e730-e7ec-4950-9a60-48236c77d83b" providerId="ADAL" clId="{0BEE5A2E-8E7B-463D-9DC7-466A5FDCE6A1}" dt="2024-02-27T14:16:40.209" v="67"/>
-        <pc:sldMkLst>
-          <pc:docMk/>
-          <pc:sldMk cId="1859253" sldId="313"/>
-        </pc:sldMkLst>
-        <pc:spChg chg="mod">
-          <ac:chgData name="jeongkilyong" userId="42a1e730-e7ec-4950-9a60-48236c77d83b" providerId="ADAL" clId="{0BEE5A2E-8E7B-463D-9DC7-466A5FDCE6A1}" dt="2024-02-27T14:16:33.106" v="64"/>
-          <ac:spMkLst>
-            <pc:docMk/>
-            <pc:sldMk cId="1859253" sldId="313"/>
-            <ac:spMk id="5" creationId="{2E7E4064-CE53-4D16-BB40-E275BDA9D1FE}"/>
-          </ac:spMkLst>
-        </pc:spChg>
-        <pc:spChg chg="mod">
-          <ac:chgData name="jeongkilyong" userId="42a1e730-e7ec-4950-9a60-48236c77d83b" providerId="ADAL" clId="{0BEE5A2E-8E7B-463D-9DC7-466A5FDCE6A1}" dt="2024-02-27T14:16:37.729" v="66"/>
-          <ac:spMkLst>
-            <pc:docMk/>
-            <pc:sldMk cId="1859253" sldId="313"/>
-            <ac:spMk id="6" creationId="{C45A26CD-8570-436E-BFE4-BADF87770CFE}"/>
-          </ac:spMkLst>
-        </pc:spChg>
-        <pc:spChg chg="mod">
-          <ac:chgData name="jeongkilyong" userId="42a1e730-e7ec-4950-9a60-48236c77d83b" providerId="ADAL" clId="{0BEE5A2E-8E7B-463D-9DC7-466A5FDCE6A1}" dt="2024-02-27T14:16:40.209" v="67"/>
-          <ac:spMkLst>
-            <pc:docMk/>
-            <pc:sldMk cId="1859253" sldId="313"/>
-            <ac:spMk id="7" creationId="{E9FC601D-B047-4EC7-A9F4-892DA9C8E6E3}"/>
-          </ac:spMkLst>
-        </pc:spChg>
-      </pc:sldChg>
-    </pc:docChg>
-  </pc:docChgLst>
-  <pc:docChgLst>
-    <pc:chgData name="jeongkilyong" userId="42a1e730-e7ec-4950-9a60-48236c77d83b" providerId="ADAL" clId="{8DA2DABB-D701-4AE9-8579-5A3879B03B26}"/>
-    <pc:docChg chg="undo custSel modSld">
-      <pc:chgData name="jeongkilyong" userId="42a1e730-e7ec-4950-9a60-48236c77d83b" providerId="ADAL" clId="{8DA2DABB-D701-4AE9-8579-5A3879B03B26}" dt="2024-02-25T22:43:10.569" v="10" actId="14100"/>
-      <pc:docMkLst>
-        <pc:docMk/>
-      </pc:docMkLst>
-      <pc:sldChg chg="modSp mod">
-        <pc:chgData name="jeongkilyong" userId="42a1e730-e7ec-4950-9a60-48236c77d83b" providerId="ADAL" clId="{8DA2DABB-D701-4AE9-8579-5A3879B03B26}" dt="2024-02-25T22:42:19.641" v="6" actId="20577"/>
-        <pc:sldMkLst>
-          <pc:docMk/>
-          <pc:sldMk cId="3485235614" sldId="292"/>
-        </pc:sldMkLst>
-        <pc:spChg chg="mod">
-          <ac:chgData name="jeongkilyong" userId="42a1e730-e7ec-4950-9a60-48236c77d83b" providerId="ADAL" clId="{8DA2DABB-D701-4AE9-8579-5A3879B03B26}" dt="2024-02-25T22:42:19.641" v="6" actId="20577"/>
-          <ac:spMkLst>
-            <pc:docMk/>
-            <pc:sldMk cId="3485235614" sldId="292"/>
-            <ac:spMk id="5" creationId="{FB35D915-9598-4DE5-A561-CC6FE4D2171D}"/>
-          </ac:spMkLst>
-        </pc:spChg>
-      </pc:sldChg>
-      <pc:sldChg chg="modSp mod">
-        <pc:chgData name="jeongkilyong" userId="42a1e730-e7ec-4950-9a60-48236c77d83b" providerId="ADAL" clId="{8DA2DABB-D701-4AE9-8579-5A3879B03B26}" dt="2024-02-25T22:42:43.113" v="8" actId="20577"/>
-        <pc:sldMkLst>
-          <pc:docMk/>
-          <pc:sldMk cId="2773633433" sldId="293"/>
-        </pc:sldMkLst>
-        <pc:spChg chg="mod">
-          <ac:chgData name="jeongkilyong" userId="42a1e730-e7ec-4950-9a60-48236c77d83b" providerId="ADAL" clId="{8DA2DABB-D701-4AE9-8579-5A3879B03B26}" dt="2024-02-25T22:42:43.113" v="8" actId="20577"/>
-          <ac:spMkLst>
-            <pc:docMk/>
-            <pc:sldMk cId="2773633433" sldId="293"/>
-            <ac:spMk id="4" creationId="{8BA83490-67D1-48A7-9E3E-EF473E8F231B}"/>
-          </ac:spMkLst>
-        </pc:spChg>
-      </pc:sldChg>
-      <pc:sldChg chg="modSp mod">
-        <pc:chgData name="jeongkilyong" userId="42a1e730-e7ec-4950-9a60-48236c77d83b" providerId="ADAL" clId="{8DA2DABB-D701-4AE9-8579-5A3879B03B26}" dt="2024-02-25T22:43:10.569" v="10" actId="14100"/>
-        <pc:sldMkLst>
-          <pc:docMk/>
-          <pc:sldMk cId="4177267907" sldId="298"/>
-        </pc:sldMkLst>
-        <pc:spChg chg="mod">
-          <ac:chgData name="jeongkilyong" userId="42a1e730-e7ec-4950-9a60-48236c77d83b" providerId="ADAL" clId="{8DA2DABB-D701-4AE9-8579-5A3879B03B26}" dt="2024-02-25T22:43:06.906" v="9" actId="14100"/>
-          <ac:spMkLst>
-            <pc:docMk/>
-            <pc:sldMk cId="4177267907" sldId="298"/>
-            <ac:spMk id="5" creationId="{D4F16174-A0DD-4CD8-9811-A1B2A781A450}"/>
-          </ac:spMkLst>
-        </pc:spChg>
-        <pc:spChg chg="mod">
-          <ac:chgData name="jeongkilyong" userId="42a1e730-e7ec-4950-9a60-48236c77d83b" providerId="ADAL" clId="{8DA2DABB-D701-4AE9-8579-5A3879B03B26}" dt="2024-02-25T22:43:10.569" v="10" actId="14100"/>
-          <ac:spMkLst>
-            <pc:docMk/>
-            <pc:sldMk cId="4177267907" sldId="298"/>
-            <ac:spMk id="6" creationId="{D7A4E6A6-BF1C-4DE1-BCFB-692B4276AB25}"/>
-          </ac:spMkLst>
-        </pc:spChg>
-      </pc:sldChg>
-    </pc:docChg>
-  </pc:docChgLst>
 </pc:chgInfo>
 </file>
 
@@ -1938,7 +1939,7 @@
             <a:fld id="{C5EB0431-1611-1744-95F0-8172773087C5}" type="datetimeFigureOut">
               <a:rPr lang="en-US" altLang="ko-Kore-KR" smtClean="0"/>
               <a:pPr/>
-              <a:t>2/29/2024</a:t>
+              <a:t>3/25/2024</a:t>
             </a:fld>
             <a:endParaRPr lang="ko-Kore-KR"/>
           </a:p>
@@ -2354,7 +2355,7 @@
           <a:p>
             <a:fld id="{5FD0AF26-B2D6-41C9-847A-12B3D1677265}" type="datetime1">
               <a:rPr kumimoji="1" lang="ko-KR" altLang="en-US" smtClean="0"/>
-              <a:t>2024-02-29</a:t>
+              <a:t>2024-03-25</a:t>
             </a:fld>
             <a:endParaRPr kumimoji="1" lang="ko-KR" altLang="en-US"/>
           </a:p>
@@ -2552,7 +2553,7 @@
           <a:p>
             <a:fld id="{11A845FB-4EAB-4F93-BE87-891FAC391B0C}" type="datetime1">
               <a:rPr kumimoji="1" lang="ko-KR" altLang="en-US" smtClean="0"/>
-              <a:t>2024-02-29</a:t>
+              <a:t>2024-03-25</a:t>
             </a:fld>
             <a:endParaRPr kumimoji="1" lang="ko-KR" altLang="en-US"/>
           </a:p>
@@ -2760,7 +2761,7 @@
           <a:p>
             <a:fld id="{6597FBCF-59BC-423C-A27E-A4E0342EEDF5}" type="datetime1">
               <a:rPr kumimoji="1" lang="ko-KR" altLang="en-US" smtClean="0"/>
-              <a:t>2024-02-29</a:t>
+              <a:t>2024-03-25</a:t>
             </a:fld>
             <a:endParaRPr kumimoji="1" lang="ko-KR" altLang="en-US"/>
           </a:p>
@@ -2958,7 +2959,7 @@
           <a:p>
             <a:fld id="{59DE6E8A-4C0D-4CC6-BBD6-2F945A6B3540}" type="datetime1">
               <a:rPr kumimoji="1" lang="ko-KR" altLang="en-US" smtClean="0"/>
-              <a:t>2024-02-29</a:t>
+              <a:t>2024-03-25</a:t>
             </a:fld>
             <a:endParaRPr kumimoji="1" lang="ko-KR" altLang="en-US"/>
           </a:p>
@@ -3233,7 +3234,7 @@
           <a:p>
             <a:fld id="{BEBFBD75-CCBA-4C22-86CA-859D220600AA}" type="datetime1">
               <a:rPr kumimoji="1" lang="ko-KR" altLang="en-US" smtClean="0"/>
-              <a:t>2024-02-29</a:t>
+              <a:t>2024-03-25</a:t>
             </a:fld>
             <a:endParaRPr kumimoji="1" lang="ko-KR" altLang="en-US"/>
           </a:p>
@@ -3498,7 +3499,7 @@
           <a:p>
             <a:fld id="{DB031150-5CB0-41C0-9104-5695DD253F49}" type="datetime1">
               <a:rPr kumimoji="1" lang="ko-KR" altLang="en-US" smtClean="0"/>
-              <a:t>2024-02-29</a:t>
+              <a:t>2024-03-25</a:t>
             </a:fld>
             <a:endParaRPr kumimoji="1" lang="ko-KR" altLang="en-US"/>
           </a:p>
@@ -3910,7 +3911,7 @@
           <a:p>
             <a:fld id="{0B78CFAD-1435-498E-ACFE-38131B135631}" type="datetime1">
               <a:rPr kumimoji="1" lang="ko-KR" altLang="en-US" smtClean="0"/>
-              <a:t>2024-02-29</a:t>
+              <a:t>2024-03-25</a:t>
             </a:fld>
             <a:endParaRPr kumimoji="1" lang="ko-KR" altLang="en-US"/>
           </a:p>
@@ -4051,7 +4052,7 @@
           <a:p>
             <a:fld id="{BF2AA6DB-F13D-4C47-BC2B-E1D25CB476ED}" type="datetime1">
               <a:rPr kumimoji="1" lang="ko-KR" altLang="en-US" smtClean="0"/>
-              <a:t>2024-02-29</a:t>
+              <a:t>2024-03-25</a:t>
             </a:fld>
             <a:endParaRPr kumimoji="1" lang="ko-KR" altLang="en-US"/>
           </a:p>
@@ -4164,7 +4165,7 @@
           <a:p>
             <a:fld id="{14FBB438-2880-4761-94BA-7F7996C8C3BD}" type="datetime1">
               <a:rPr kumimoji="1" lang="ko-KR" altLang="en-US" smtClean="0"/>
-              <a:t>2024-02-29</a:t>
+              <a:t>2024-03-25</a:t>
             </a:fld>
             <a:endParaRPr kumimoji="1" lang="ko-KR" altLang="en-US"/>
           </a:p>
@@ -4475,7 +4476,7 @@
           <a:p>
             <a:fld id="{C4D9C33D-E09A-4F6E-A7FA-CF959C3E6DEE}" type="datetime1">
               <a:rPr kumimoji="1" lang="ko-KR" altLang="en-US" smtClean="0"/>
-              <a:t>2024-02-29</a:t>
+              <a:t>2024-03-25</a:t>
             </a:fld>
             <a:endParaRPr kumimoji="1" lang="ko-KR" altLang="en-US"/>
           </a:p>
@@ -4763,7 +4764,7 @@
           <a:p>
             <a:fld id="{DB10E3DE-CCA8-4CB9-BDA2-4741B0CD6641}" type="datetime1">
               <a:rPr kumimoji="1" lang="ko-KR" altLang="en-US" smtClean="0"/>
-              <a:t>2024-02-29</a:t>
+              <a:t>2024-03-25</a:t>
             </a:fld>
             <a:endParaRPr kumimoji="1" lang="ko-KR" altLang="en-US"/>
           </a:p>
@@ -5006,7 +5007,7 @@
           <a:p>
             <a:fld id="{827CA893-2A65-4E72-A022-7CB16F3818A4}" type="datetime1">
               <a:rPr kumimoji="1" lang="ko-KR" altLang="en-US" smtClean="0"/>
-              <a:t>2024-02-29</a:t>
+              <a:t>2024-03-25</a:t>
             </a:fld>
             <a:endParaRPr kumimoji="1" lang="ko-KR" altLang="en-US"/>
           </a:p>
@@ -17422,7 +17423,7 @@
         <p:spPr bwMode="auto">
           <a:xfrm>
             <a:off x="395288" y="836613"/>
-            <a:ext cx="10666817" cy="4862870"/>
+            <a:ext cx="10666817" cy="3970318"/>
           </a:xfrm>
           <a:prstGeom prst="rect">
             <a:avLst/>
@@ -17646,91 +17647,6 @@
               <a:buChar char="▶"/>
             </a:pPr>
             <a:endParaRPr lang="en-US" altLang="ko-KR" sz="2000">
-              <a:latin typeface="Noto Sans CJK KR Regular" panose="020B0500000000000000" pitchFamily="34" charset="-127"/>
-              <a:ea typeface="Noto Sans CJK KR Regular" panose="020B0500000000000000" pitchFamily="34" charset="-127"/>
-            </a:endParaRPr>
-          </a:p>
-          <a:p>
-            <a:pPr>
-              <a:buFont typeface="맑은 고딕" pitchFamily="50" charset="-127"/>
-              <a:buChar char="▶"/>
-            </a:pPr>
-            <a:endParaRPr lang="en-US" altLang="ko-KR" sz="2000">
-              <a:latin typeface="Noto Sans CJK KR Regular" panose="020B0500000000000000" pitchFamily="34" charset="-127"/>
-              <a:ea typeface="Noto Sans CJK KR Regular" panose="020B0500000000000000" pitchFamily="34" charset="-127"/>
-            </a:endParaRPr>
-          </a:p>
-          <a:p>
-            <a:pPr>
-              <a:buFont typeface="맑은 고딕" pitchFamily="50" charset="-127"/>
-              <a:buChar char="▶"/>
-            </a:pPr>
-            <a:r>
-              <a:rPr lang="en-US" altLang="ko-KR" sz="2000">
-                <a:latin typeface="Noto Sans CJK KR Regular" panose="020B0500000000000000" pitchFamily="34" charset="-127"/>
-                <a:ea typeface="Noto Sans CJK KR Regular" panose="020B0500000000000000" pitchFamily="34" charset="-127"/>
-              </a:rPr>
-              <a:t> Tagged template literal</a:t>
-            </a:r>
-            <a:endParaRPr lang="ko-KR" altLang="en-US" sz="2000" dirty="0">
-              <a:latin typeface="Noto Sans CJK KR Regular" panose="020B0500000000000000" pitchFamily="34" charset="-127"/>
-              <a:ea typeface="Noto Sans CJK KR Regular" panose="020B0500000000000000" pitchFamily="34" charset="-127"/>
-            </a:endParaRPr>
-          </a:p>
-          <a:p>
-            <a:pPr lvl="1">
-              <a:buFontTx/>
-              <a:buChar char="•"/>
-            </a:pPr>
-            <a:r>
-              <a:rPr lang="en-US" altLang="ko-KR" b="0">
-                <a:latin typeface="Noto Sans CJK KR Regular" panose="020B0500000000000000" pitchFamily="34" charset="-127"/>
-                <a:ea typeface="Noto Sans CJK KR Regular" panose="020B0500000000000000" pitchFamily="34" charset="-127"/>
-              </a:rPr>
-              <a:t> </a:t>
-            </a:r>
-            <a:r>
-              <a:rPr lang="ko-KR" altLang="en-US" b="0">
-                <a:latin typeface="Noto Sans CJK KR Regular" panose="020B0500000000000000" pitchFamily="34" charset="-127"/>
-                <a:ea typeface="Noto Sans CJK KR Regular" panose="020B0500000000000000" pitchFamily="34" charset="-127"/>
-              </a:rPr>
-              <a:t>함수명 뒤에 사용할 경우 해당 </a:t>
-            </a:r>
-            <a:r>
-              <a:rPr lang="ko-KR" altLang="en-US" b="0">
-                <a:solidFill>
-                  <a:srgbClr val="FF9E1B"/>
-                </a:solidFill>
-                <a:latin typeface="Noto Sans CJK KR Regular" panose="020B0500000000000000" pitchFamily="34" charset="-127"/>
-                <a:ea typeface="Noto Sans CJK KR Regular" panose="020B0500000000000000" pitchFamily="34" charset="-127"/>
-              </a:rPr>
-              <a:t>함수가 호출</a:t>
-            </a:r>
-            <a:r>
-              <a:rPr lang="ko-KR" altLang="en-US" b="0">
-                <a:latin typeface="Noto Sans CJK KR Regular" panose="020B0500000000000000" pitchFamily="34" charset="-127"/>
-                <a:ea typeface="Noto Sans CJK KR Regular" panose="020B0500000000000000" pitchFamily="34" charset="-127"/>
-              </a:rPr>
-              <a:t>되고 리터럴 내부의 </a:t>
-            </a:r>
-            <a:r>
-              <a:rPr lang="ko-KR" altLang="en-US" b="0">
-                <a:solidFill>
-                  <a:srgbClr val="FF9E1B"/>
-                </a:solidFill>
-                <a:latin typeface="Noto Sans CJK KR Regular" panose="020B0500000000000000" pitchFamily="34" charset="-127"/>
-                <a:ea typeface="Noto Sans CJK KR Regular" panose="020B0500000000000000" pitchFamily="34" charset="-127"/>
-              </a:rPr>
-              <a:t>문자열과 표현식이 분할</a:t>
-            </a:r>
-            <a:r>
-              <a:rPr lang="ko-KR" altLang="en-US" b="0">
-                <a:latin typeface="Noto Sans CJK KR Regular" panose="020B0500000000000000" pitchFamily="34" charset="-127"/>
-                <a:ea typeface="Noto Sans CJK KR Regular" panose="020B0500000000000000" pitchFamily="34" charset="-127"/>
-              </a:rPr>
-              <a:t>되어 함수에 전달</a:t>
-            </a:r>
-            <a:endParaRPr lang="en-US" altLang="ko-KR" b="0">
               <a:latin typeface="Noto Sans CJK KR Regular" panose="020B0500000000000000" pitchFamily="34" charset="-127"/>
               <a:ea typeface="Noto Sans CJK KR Regular" panose="020B0500000000000000" pitchFamily="34" charset="-127"/>
             </a:endParaRPr>
@@ -18493,6 +18409,1626 @@
 </file>
 
 <file path=ppt/slides/slide23.xml><?xml version="1.0" encoding="utf-8"?>
+<p:sld xmlns:a="http://schemas.openxmlformats.org/drawingml/2006/main" xmlns:r="http://schemas.openxmlformats.org/officeDocument/2006/relationships" xmlns:p="http://schemas.openxmlformats.org/presentationml/2006/main">
+  <p:cSld>
+    <p:spTree>
+      <p:nvGrpSpPr>
+        <p:cNvPr id="1" name=""/>
+        <p:cNvGrpSpPr/>
+        <p:nvPr/>
+      </p:nvGrpSpPr>
+      <p:grpSpPr>
+        <a:xfrm>
+          <a:off x="0" y="0"/>
+          <a:ext cx="0" cy="0"/>
+          <a:chOff x="0" y="0"/>
+          <a:chExt cx="0" cy="0"/>
+        </a:xfrm>
+      </p:grpSpPr>
+      <p:sp>
+        <p:nvSpPr>
+          <p:cNvPr id="12" name="TextBox 11">
+            <a:extLst>
+              <a:ext uri="{FF2B5EF4-FFF2-40B4-BE49-F238E27FC236}">
+                <a16:creationId xmlns:a16="http://schemas.microsoft.com/office/drawing/2014/main" id="{10ACD4E5-1FFB-574E-8F99-C84FF7F7144F}"/>
+              </a:ext>
+            </a:extLst>
+          </p:cNvPr>
+          <p:cNvSpPr txBox="1"/>
+          <p:nvPr/>
+        </p:nvSpPr>
+        <p:spPr>
+          <a:xfrm>
+            <a:off x="563667" y="443389"/>
+            <a:ext cx="4713514" cy="338554"/>
+          </a:xfrm>
+          <a:prstGeom prst="rect">
+            <a:avLst/>
+          </a:prstGeom>
+          <a:noFill/>
+        </p:spPr>
+        <p:txBody>
+          <a:bodyPr wrap="square" rtlCol="0">
+            <a:spAutoFit/>
+          </a:bodyPr>
+          <a:lstStyle/>
+          <a:p>
+            <a:r>
+              <a:rPr kumimoji="1" lang="ko-KR" altLang="en-US" sz="1600" spc="-60" dirty="0">
+                <a:solidFill>
+                  <a:srgbClr val="FF9E1B"/>
+                </a:solidFill>
+                <a:latin typeface="Noto Sans CJK KR Medium" panose="020B0500000000000000" pitchFamily="34" charset="-128"/>
+                <a:ea typeface="Noto Sans CJK KR Medium" panose="020B0500000000000000" pitchFamily="34" charset="-128"/>
+              </a:rPr>
+              <a:t>강의  </a:t>
+            </a:r>
+            <a:r>
+              <a:rPr kumimoji="1" lang="en-US" altLang="ko-KR" sz="1600" spc="-60">
+                <a:solidFill>
+                  <a:schemeClr val="tx1">
+                    <a:lumMod val="75000"/>
+                    <a:lumOff val="25000"/>
+                  </a:schemeClr>
+                </a:solidFill>
+                <a:latin typeface="Noto Sans CJK KR DemiLight" panose="020B0400000000000000" pitchFamily="34" charset="-128"/>
+                <a:ea typeface="Noto Sans CJK KR DemiLight" panose="020B0400000000000000" pitchFamily="34" charset="-128"/>
+              </a:rPr>
+              <a:t>|</a:t>
+            </a:r>
+            <a:r>
+              <a:rPr kumimoji="1" lang="ko-KR" altLang="en-US" sz="1600" spc="-60">
+                <a:solidFill>
+                  <a:schemeClr val="tx1">
+                    <a:lumMod val="75000"/>
+                    <a:lumOff val="25000"/>
+                  </a:schemeClr>
+                </a:solidFill>
+                <a:latin typeface="Noto Sans CJK KR DemiLight" panose="020B0400000000000000" pitchFamily="34" charset="-128"/>
+                <a:ea typeface="Noto Sans CJK KR DemiLight" panose="020B0400000000000000" pitchFamily="34" charset="-128"/>
+              </a:rPr>
+              <a:t>  </a:t>
+            </a:r>
+            <a:r>
+              <a:rPr kumimoji="1" lang="en-US" altLang="ko-KR" sz="1600" spc="-60">
+                <a:solidFill>
+                  <a:schemeClr val="tx1">
+                    <a:lumMod val="75000"/>
+                    <a:lumOff val="25000"/>
+                  </a:schemeClr>
+                </a:solidFill>
+                <a:latin typeface="Noto Sans CJK KR DemiLight" panose="020B0400000000000000" pitchFamily="34" charset="-128"/>
+                <a:ea typeface="Noto Sans CJK KR DemiLight" panose="020B0400000000000000" pitchFamily="34" charset="-128"/>
+              </a:rPr>
+              <a:t>ES6</a:t>
+            </a:r>
+            <a:r>
+              <a:rPr kumimoji="1" lang="ko-KR" altLang="en-US" sz="1600" spc="-60">
+                <a:solidFill>
+                  <a:schemeClr val="tx1">
+                    <a:lumMod val="75000"/>
+                    <a:lumOff val="25000"/>
+                  </a:schemeClr>
+                </a:solidFill>
+                <a:latin typeface="Noto Sans CJK KR DemiLight" panose="020B0400000000000000" pitchFamily="34" charset="-128"/>
+                <a:ea typeface="Noto Sans CJK KR DemiLight" panose="020B0400000000000000" pitchFamily="34" charset="-128"/>
+              </a:rPr>
+              <a:t> </a:t>
+            </a:r>
+            <a:r>
+              <a:rPr kumimoji="1" lang="en-US" altLang="ko-KR" sz="1600" spc="-60">
+                <a:solidFill>
+                  <a:schemeClr val="tx1">
+                    <a:lumMod val="75000"/>
+                    <a:lumOff val="25000"/>
+                  </a:schemeClr>
+                </a:solidFill>
+                <a:latin typeface="Noto Sans CJK KR DemiLight" panose="020B0400000000000000" pitchFamily="34" charset="-128"/>
+                <a:ea typeface="Noto Sans CJK KR DemiLight" panose="020B0400000000000000" pitchFamily="34" charset="-128"/>
+              </a:rPr>
+              <a:t>-</a:t>
+            </a:r>
+            <a:r>
+              <a:rPr kumimoji="1" lang="ko-KR" altLang="en-US" sz="1600" spc="-60">
+                <a:solidFill>
+                  <a:schemeClr val="tx1">
+                    <a:lumMod val="75000"/>
+                    <a:lumOff val="25000"/>
+                  </a:schemeClr>
+                </a:solidFill>
+                <a:latin typeface="Noto Sans CJK KR DemiLight" panose="020B0400000000000000" pitchFamily="34" charset="-128"/>
+                <a:ea typeface="Noto Sans CJK KR DemiLight" panose="020B0400000000000000" pitchFamily="34" charset="-128"/>
+              </a:rPr>
+              <a:t> </a:t>
+            </a:r>
+            <a:r>
+              <a:rPr kumimoji="1" lang="en-US" altLang="ko-KR" sz="1600" spc="-60">
+                <a:solidFill>
+                  <a:schemeClr val="tx1">
+                    <a:lumMod val="75000"/>
+                    <a:lumOff val="25000"/>
+                  </a:schemeClr>
+                </a:solidFill>
+                <a:latin typeface="Noto Sans CJK KR DemiLight" panose="020B0400000000000000" pitchFamily="34" charset="-128"/>
+                <a:ea typeface="Noto Sans CJK KR DemiLight" panose="020B0400000000000000" pitchFamily="34" charset="-128"/>
+              </a:rPr>
+              <a:t>Template</a:t>
+            </a:r>
+            <a:r>
+              <a:rPr kumimoji="1" lang="ko-KR" altLang="en-US" sz="1600" spc="-60">
+                <a:solidFill>
+                  <a:schemeClr val="tx1">
+                    <a:lumMod val="75000"/>
+                    <a:lumOff val="25000"/>
+                  </a:schemeClr>
+                </a:solidFill>
+                <a:latin typeface="Noto Sans CJK KR DemiLight" panose="020B0400000000000000" pitchFamily="34" charset="-128"/>
+                <a:ea typeface="Noto Sans CJK KR DemiLight" panose="020B0400000000000000" pitchFamily="34" charset="-128"/>
+              </a:rPr>
+              <a:t> </a:t>
+            </a:r>
+            <a:r>
+              <a:rPr kumimoji="1" lang="en-US" altLang="ko-KR" sz="1600" spc="-60">
+                <a:solidFill>
+                  <a:schemeClr val="tx1">
+                    <a:lumMod val="75000"/>
+                    <a:lumOff val="25000"/>
+                  </a:schemeClr>
+                </a:solidFill>
+                <a:latin typeface="Noto Sans CJK KR DemiLight" panose="020B0400000000000000" pitchFamily="34" charset="-128"/>
+                <a:ea typeface="Noto Sans CJK KR DemiLight" panose="020B0400000000000000" pitchFamily="34" charset="-128"/>
+              </a:rPr>
+              <a:t>literals</a:t>
+            </a:r>
+            <a:endParaRPr kumimoji="1" lang="ko-KR" altLang="en-US" sz="1600" spc="-60" dirty="0">
+              <a:solidFill>
+                <a:schemeClr val="tx1">
+                  <a:lumMod val="75000"/>
+                  <a:lumOff val="25000"/>
+                </a:schemeClr>
+              </a:solidFill>
+              <a:latin typeface="Noto Sans CJK KR DemiLight" panose="020B0400000000000000" pitchFamily="34" charset="-128"/>
+              <a:ea typeface="Noto Sans CJK KR DemiLight" panose="020B0400000000000000" pitchFamily="34" charset="-128"/>
+            </a:endParaRPr>
+          </a:p>
+        </p:txBody>
+      </p:sp>
+      <p:pic>
+        <p:nvPicPr>
+          <p:cNvPr id="9" name="그림 8" descr="모니터, 앉아있는, 컴퓨터, 노트북이(가) 표시된 사진&#10;&#10;자동 생성된 설명">
+            <a:extLst>
+              <a:ext uri="{FF2B5EF4-FFF2-40B4-BE49-F238E27FC236}">
+                <a16:creationId xmlns:a16="http://schemas.microsoft.com/office/drawing/2014/main" id="{FF6495D1-8783-E242-8224-4FB3EE8FE1E4}"/>
+              </a:ext>
+            </a:extLst>
+          </p:cNvPr>
+          <p:cNvPicPr>
+            <a:picLocks noChangeAspect="1"/>
+          </p:cNvPicPr>
+          <p:nvPr/>
+        </p:nvPicPr>
+        <p:blipFill>
+          <a:blip r:embed="rId2"/>
+          <a:stretch>
+            <a:fillRect/>
+          </a:stretch>
+        </p:blipFill>
+        <p:spPr>
+          <a:xfrm>
+            <a:off x="10478767" y="491271"/>
+            <a:ext cx="1087394" cy="170709"/>
+          </a:xfrm>
+          <a:prstGeom prst="rect">
+            <a:avLst/>
+          </a:prstGeom>
+        </p:spPr>
+      </p:pic>
+      <p:pic>
+        <p:nvPicPr>
+          <p:cNvPr id="5" name="그림 4" descr="코딩아이콘.png">
+            <a:extLst>
+              <a:ext uri="{FF2B5EF4-FFF2-40B4-BE49-F238E27FC236}">
+                <a16:creationId xmlns:a16="http://schemas.microsoft.com/office/drawing/2014/main" id="{9D837DC6-7F7A-42DE-947E-9205B788D555}"/>
+              </a:ext>
+            </a:extLst>
+          </p:cNvPr>
+          <p:cNvPicPr>
+            <a:picLocks noChangeAspect="1"/>
+          </p:cNvPicPr>
+          <p:nvPr/>
+        </p:nvPicPr>
+        <p:blipFill>
+          <a:blip r:embed="rId3" cstate="print"/>
+          <a:stretch>
+            <a:fillRect/>
+          </a:stretch>
+        </p:blipFill>
+        <p:spPr>
+          <a:xfrm flipH="1">
+            <a:off x="11062105" y="692696"/>
+            <a:ext cx="504056" cy="440660"/>
+          </a:xfrm>
+          <a:prstGeom prst="rect">
+            <a:avLst/>
+          </a:prstGeom>
+        </p:spPr>
+      </p:pic>
+      <p:sp>
+        <p:nvSpPr>
+          <p:cNvPr id="6" name="TextBox 5">
+            <a:extLst>
+              <a:ext uri="{FF2B5EF4-FFF2-40B4-BE49-F238E27FC236}">
+                <a16:creationId xmlns:a16="http://schemas.microsoft.com/office/drawing/2014/main" id="{6DDA6E6F-5FE5-4BD8-8F8D-56A64FD7BEB7}"/>
+              </a:ext>
+            </a:extLst>
+          </p:cNvPr>
+          <p:cNvSpPr txBox="1"/>
+          <p:nvPr/>
+        </p:nvSpPr>
+        <p:spPr>
+          <a:xfrm>
+            <a:off x="6813633" y="764704"/>
+            <a:ext cx="4233067" cy="369332"/>
+          </a:xfrm>
+          <a:prstGeom prst="rect">
+            <a:avLst/>
+          </a:prstGeom>
+          <a:noFill/>
+        </p:spPr>
+        <p:txBody>
+          <a:bodyPr wrap="square" rtlCol="0">
+            <a:spAutoFit/>
+          </a:bodyPr>
+          <a:lstStyle/>
+          <a:p>
+            <a:pPr algn="r"/>
+            <a:r>
+              <a:rPr lang="en-US" altLang="ko-KR">
+                <a:solidFill>
+                  <a:schemeClr val="tx1">
+                    <a:lumMod val="65000"/>
+                    <a:lumOff val="35000"/>
+                  </a:schemeClr>
+                </a:solidFill>
+                <a:latin typeface="Noto Sans CJK KR Regular" panose="020B0500000000000000" pitchFamily="34" charset="-127"/>
+                <a:ea typeface="Noto Sans CJK KR Regular" panose="020B0500000000000000" pitchFamily="34" charset="-127"/>
+              </a:rPr>
+              <a:t>ex01-20.js</a:t>
+            </a:r>
+            <a:endParaRPr lang="ko-KR" altLang="en-US" dirty="0">
+              <a:solidFill>
+                <a:schemeClr val="tx1">
+                  <a:lumMod val="65000"/>
+                  <a:lumOff val="35000"/>
+                </a:schemeClr>
+              </a:solidFill>
+              <a:latin typeface="Noto Sans CJK KR Regular" panose="020B0500000000000000" pitchFamily="34" charset="-127"/>
+              <a:ea typeface="Noto Sans CJK KR Regular" panose="020B0500000000000000" pitchFamily="34" charset="-127"/>
+            </a:endParaRPr>
+          </a:p>
+        </p:txBody>
+      </p:sp>
+      <p:sp>
+        <p:nvSpPr>
+          <p:cNvPr id="7" name="Text Box 3">
+            <a:extLst>
+              <a:ext uri="{FF2B5EF4-FFF2-40B4-BE49-F238E27FC236}">
+                <a16:creationId xmlns:a16="http://schemas.microsoft.com/office/drawing/2014/main" id="{B2B7D76C-76AF-4D79-8222-577DE51A01CD}"/>
+              </a:ext>
+            </a:extLst>
+          </p:cNvPr>
+          <p:cNvSpPr txBox="1">
+            <a:spLocks noChangeArrowheads="1"/>
+          </p:cNvSpPr>
+          <p:nvPr/>
+        </p:nvSpPr>
+        <p:spPr bwMode="auto">
+          <a:xfrm>
+            <a:off x="395288" y="836613"/>
+            <a:ext cx="10666817" cy="1231106"/>
+          </a:xfrm>
+          <a:prstGeom prst="rect">
+            <a:avLst/>
+          </a:prstGeom>
+          <a:noFill/>
+          <a:ln w="9525">
+            <a:noFill/>
+            <a:miter lim="800000"/>
+            <a:headEnd/>
+            <a:tailEnd/>
+          </a:ln>
+        </p:spPr>
+        <p:txBody>
+          <a:bodyPr wrap="square">
+            <a:spAutoFit/>
+          </a:bodyPr>
+          <a:lstStyle/>
+          <a:p>
+            <a:pPr>
+              <a:buFont typeface="맑은 고딕" pitchFamily="50" charset="-127"/>
+              <a:buChar char="▶"/>
+            </a:pPr>
+            <a:r>
+              <a:rPr lang="en-US" altLang="ko-KR" sz="2000">
+                <a:latin typeface="Noto Sans CJK KR Regular" panose="020B0500000000000000" pitchFamily="34" charset="-127"/>
+                <a:ea typeface="Noto Sans CJK KR Regular" panose="020B0500000000000000" pitchFamily="34" charset="-127"/>
+              </a:rPr>
+              <a:t> Tagged template literal</a:t>
+            </a:r>
+            <a:endParaRPr lang="ko-KR" altLang="en-US" sz="2000" dirty="0">
+              <a:latin typeface="Noto Sans CJK KR Regular" panose="020B0500000000000000" pitchFamily="34" charset="-127"/>
+              <a:ea typeface="Noto Sans CJK KR Regular" panose="020B0500000000000000" pitchFamily="34" charset="-127"/>
+            </a:endParaRPr>
+          </a:p>
+          <a:p>
+            <a:pPr lvl="1">
+              <a:buFontTx/>
+              <a:buChar char="•"/>
+            </a:pPr>
+            <a:r>
+              <a:rPr lang="en-US" altLang="ko-KR" b="0">
+                <a:latin typeface="Noto Sans CJK KR Regular" panose="020B0500000000000000" pitchFamily="34" charset="-127"/>
+                <a:ea typeface="Noto Sans CJK KR Regular" panose="020B0500000000000000" pitchFamily="34" charset="-127"/>
+              </a:rPr>
+              <a:t> </a:t>
+            </a:r>
+            <a:r>
+              <a:rPr lang="ko-KR" altLang="en-US" b="0">
+                <a:latin typeface="Noto Sans CJK KR Regular" panose="020B0500000000000000" pitchFamily="34" charset="-127"/>
+                <a:ea typeface="Noto Sans CJK KR Regular" panose="020B0500000000000000" pitchFamily="34" charset="-127"/>
+              </a:rPr>
+              <a:t>함수명 뒤에 사용할 경우 해당 </a:t>
+            </a:r>
+            <a:r>
+              <a:rPr lang="ko-KR" altLang="en-US" b="0">
+                <a:solidFill>
+                  <a:srgbClr val="FF9E1B"/>
+                </a:solidFill>
+                <a:latin typeface="Noto Sans CJK KR Regular" panose="020B0500000000000000" pitchFamily="34" charset="-127"/>
+                <a:ea typeface="Noto Sans CJK KR Regular" panose="020B0500000000000000" pitchFamily="34" charset="-127"/>
+              </a:rPr>
+              <a:t>함수가 호출</a:t>
+            </a:r>
+            <a:r>
+              <a:rPr lang="ko-KR" altLang="en-US" b="0">
+                <a:latin typeface="Noto Sans CJK KR Regular" panose="020B0500000000000000" pitchFamily="34" charset="-127"/>
+                <a:ea typeface="Noto Sans CJK KR Regular" panose="020B0500000000000000" pitchFamily="34" charset="-127"/>
+              </a:rPr>
+              <a:t>되고 리터럴 내부의 </a:t>
+            </a:r>
+            <a:r>
+              <a:rPr lang="ko-KR" altLang="en-US" b="0">
+                <a:solidFill>
+                  <a:srgbClr val="FF9E1B"/>
+                </a:solidFill>
+                <a:latin typeface="Noto Sans CJK KR Regular" panose="020B0500000000000000" pitchFamily="34" charset="-127"/>
+                <a:ea typeface="Noto Sans CJK KR Regular" panose="020B0500000000000000" pitchFamily="34" charset="-127"/>
+              </a:rPr>
+              <a:t>문자열과 표현식이 분할</a:t>
+            </a:r>
+            <a:r>
+              <a:rPr lang="ko-KR" altLang="en-US" b="0">
+                <a:latin typeface="Noto Sans CJK KR Regular" panose="020B0500000000000000" pitchFamily="34" charset="-127"/>
+                <a:ea typeface="Noto Sans CJK KR Regular" panose="020B0500000000000000" pitchFamily="34" charset="-127"/>
+              </a:rPr>
+              <a:t>되어 함수에 전달</a:t>
+            </a:r>
+            <a:endParaRPr lang="en-US" altLang="ko-KR" b="0">
+              <a:latin typeface="Noto Sans CJK KR Regular" panose="020B0500000000000000" pitchFamily="34" charset="-127"/>
+              <a:ea typeface="Noto Sans CJK KR Regular" panose="020B0500000000000000" pitchFamily="34" charset="-127"/>
+            </a:endParaRPr>
+          </a:p>
+          <a:p>
+            <a:pPr lvl="1">
+              <a:buFontTx/>
+              <a:buChar char="•"/>
+            </a:pPr>
+            <a:r>
+              <a:rPr lang="en-US" altLang="ko-KR">
+                <a:latin typeface="Noto Sans CJK KR Regular" panose="020B0500000000000000" pitchFamily="34" charset="-127"/>
+                <a:ea typeface="Noto Sans CJK KR Regular" panose="020B0500000000000000" pitchFamily="34" charset="-127"/>
+              </a:rPr>
+              <a:t> template literal </a:t>
+            </a:r>
+            <a:r>
+              <a:rPr lang="ko-KR" altLang="en-US">
+                <a:latin typeface="Noto Sans CJK KR Regular" panose="020B0500000000000000" pitchFamily="34" charset="-127"/>
+                <a:ea typeface="Noto Sans CJK KR Regular" panose="020B0500000000000000" pitchFamily="34" charset="-127"/>
+              </a:rPr>
+              <a:t>내의 문자열들은 표현식을 기준으로 분할되어 첫번째 인자로 전달됨</a:t>
+            </a:r>
+            <a:r>
+              <a:rPr lang="en-US" altLang="ko-KR">
+                <a:latin typeface="Noto Sans CJK KR Regular" panose="020B0500000000000000" pitchFamily="34" charset="-127"/>
+                <a:ea typeface="Noto Sans CJK KR Regular" panose="020B0500000000000000" pitchFamily="34" charset="-127"/>
+              </a:rPr>
+              <a:t>(</a:t>
+            </a:r>
+            <a:r>
+              <a:rPr lang="ko-KR" altLang="en-US">
+                <a:latin typeface="Noto Sans CJK KR Regular" panose="020B0500000000000000" pitchFamily="34" charset="-127"/>
+                <a:ea typeface="Noto Sans CJK KR Regular" panose="020B0500000000000000" pitchFamily="34" charset="-127"/>
+              </a:rPr>
+              <a:t>배열</a:t>
+            </a:r>
+            <a:r>
+              <a:rPr lang="en-US" altLang="ko-KR">
+                <a:latin typeface="Noto Sans CJK KR Regular" panose="020B0500000000000000" pitchFamily="34" charset="-127"/>
+                <a:ea typeface="Noto Sans CJK KR Regular" panose="020B0500000000000000" pitchFamily="34" charset="-127"/>
+              </a:rPr>
+              <a:t>)</a:t>
+            </a:r>
+          </a:p>
+          <a:p>
+            <a:pPr lvl="1">
+              <a:buFontTx/>
+              <a:buChar char="•"/>
+            </a:pPr>
+            <a:r>
+              <a:rPr lang="en-US" altLang="ko-KR" b="0">
+                <a:latin typeface="Noto Sans CJK KR Regular" panose="020B0500000000000000" pitchFamily="34" charset="-127"/>
+                <a:ea typeface="Noto Sans CJK KR Regular" panose="020B0500000000000000" pitchFamily="34" charset="-127"/>
+              </a:rPr>
+              <a:t> </a:t>
+            </a:r>
+            <a:r>
+              <a:rPr lang="ko-KR" altLang="en-US" b="0">
+                <a:latin typeface="Noto Sans CJK KR Regular" panose="020B0500000000000000" pitchFamily="34" charset="-127"/>
+                <a:ea typeface="Noto Sans CJK KR Regular" panose="020B0500000000000000" pitchFamily="34" charset="-127"/>
+              </a:rPr>
+              <a:t>두번째 인자부터 표현식 값이 순서대로 전달됨 </a:t>
+            </a:r>
+            <a:endParaRPr lang="en-US" altLang="ko-KR" b="0">
+              <a:latin typeface="Noto Sans CJK KR Regular" panose="020B0500000000000000" pitchFamily="34" charset="-127"/>
+              <a:ea typeface="Noto Sans CJK KR Regular" panose="020B0500000000000000" pitchFamily="34" charset="-127"/>
+            </a:endParaRPr>
+          </a:p>
+        </p:txBody>
+      </p:sp>
+      <p:sp>
+        <p:nvSpPr>
+          <p:cNvPr id="8" name="TextBox 7">
+            <a:extLst>
+              <a:ext uri="{FF2B5EF4-FFF2-40B4-BE49-F238E27FC236}">
+                <a16:creationId xmlns:a16="http://schemas.microsoft.com/office/drawing/2014/main" id="{F9BCDE1D-AC04-424D-B700-2CC60E46E5BC}"/>
+              </a:ext>
+            </a:extLst>
+          </p:cNvPr>
+          <p:cNvSpPr txBox="1"/>
+          <p:nvPr/>
+        </p:nvSpPr>
+        <p:spPr>
+          <a:xfrm>
+            <a:off x="1116343" y="2027613"/>
+            <a:ext cx="8879304" cy="3139321"/>
+          </a:xfrm>
+          <a:prstGeom prst="rect">
+            <a:avLst/>
+          </a:prstGeom>
+          <a:noFill/>
+          <a:ln>
+            <a:solidFill>
+              <a:schemeClr val="tx1"/>
+            </a:solidFill>
+          </a:ln>
+        </p:spPr>
+        <p:txBody>
+          <a:bodyPr wrap="square">
+            <a:spAutoFit/>
+          </a:bodyPr>
+          <a:lstStyle/>
+          <a:p>
+            <a:r>
+              <a:rPr lang="en-US" altLang="ko-KR" b="0">
+                <a:solidFill>
+                  <a:srgbClr val="0000FF"/>
+                </a:solidFill>
+                <a:effectLst/>
+                <a:latin typeface="Consolas" panose="020B0609020204030204" pitchFamily="49" charset="0"/>
+              </a:rPr>
+              <a:t>function</a:t>
+            </a:r>
+            <a:r>
+              <a:rPr lang="en-US" altLang="ko-KR" b="0">
+                <a:solidFill>
+                  <a:srgbClr val="000000"/>
+                </a:solidFill>
+                <a:effectLst/>
+                <a:latin typeface="Consolas" panose="020B0609020204030204" pitchFamily="49" charset="0"/>
+              </a:rPr>
+              <a:t> userInfo(strings, name, age, phone, address){</a:t>
+            </a:r>
+          </a:p>
+          <a:p>
+            <a:r>
+              <a:rPr lang="en-US" altLang="ko-KR" b="0">
+                <a:solidFill>
+                  <a:srgbClr val="000000"/>
+                </a:solidFill>
+                <a:effectLst/>
+                <a:latin typeface="Consolas" panose="020B0609020204030204" pitchFamily="49" charset="0"/>
+              </a:rPr>
+              <a:t>  console.log(strings, name, age, phone, address);</a:t>
+            </a:r>
+          </a:p>
+          <a:p>
+            <a:r>
+              <a:rPr lang="en-US" altLang="ko-KR">
+                <a:solidFill>
+                  <a:srgbClr val="000000"/>
+                </a:solidFill>
+                <a:latin typeface="Consolas" panose="020B0609020204030204" pitchFamily="49" charset="0"/>
+              </a:rPr>
+              <a:t> </a:t>
+            </a:r>
+            <a:r>
+              <a:rPr lang="en-US" altLang="ko-KR" b="0">
+                <a:solidFill>
+                  <a:srgbClr val="000000"/>
+                </a:solidFill>
+                <a:effectLst/>
+                <a:latin typeface="Consolas" panose="020B0609020204030204" pitchFamily="49" charset="0"/>
+              </a:rPr>
+              <a:t> address = address.split(</a:t>
+            </a:r>
+            <a:r>
+              <a:rPr lang="en-US" altLang="ko-KR" b="0">
+                <a:solidFill>
+                  <a:srgbClr val="A31515"/>
+                </a:solidFill>
+                <a:effectLst/>
+                <a:latin typeface="Consolas" panose="020B0609020204030204" pitchFamily="49" charset="0"/>
+              </a:rPr>
+              <a:t>' '</a:t>
+            </a:r>
+            <a:r>
+              <a:rPr lang="en-US" altLang="ko-KR" b="0">
+                <a:solidFill>
+                  <a:srgbClr val="000000"/>
+                </a:solidFill>
+                <a:effectLst/>
+                <a:latin typeface="Consolas" panose="020B0609020204030204" pitchFamily="49" charset="0"/>
+              </a:rPr>
+              <a:t>)[</a:t>
+            </a:r>
+            <a:r>
+              <a:rPr lang="en-US" altLang="ko-KR" b="0">
+                <a:solidFill>
+                  <a:srgbClr val="098658"/>
+                </a:solidFill>
+                <a:effectLst/>
+                <a:latin typeface="Consolas" panose="020B0609020204030204" pitchFamily="49" charset="0"/>
+              </a:rPr>
+              <a:t>0</a:t>
+            </a:r>
+            <a:r>
+              <a:rPr lang="en-US" altLang="ko-KR" b="0">
+                <a:solidFill>
+                  <a:srgbClr val="000000"/>
+                </a:solidFill>
+                <a:effectLst/>
+                <a:latin typeface="Consolas" panose="020B0609020204030204" pitchFamily="49" charset="0"/>
+              </a:rPr>
+              <a:t>];</a:t>
+            </a:r>
+          </a:p>
+          <a:p>
+            <a:r>
+              <a:rPr lang="en-US" altLang="ko-KR" b="0">
+                <a:solidFill>
+                  <a:srgbClr val="000000"/>
+                </a:solidFill>
+                <a:effectLst/>
+                <a:latin typeface="Consolas" panose="020B0609020204030204" pitchFamily="49" charset="0"/>
+              </a:rPr>
+              <a:t>  </a:t>
+            </a:r>
+            <a:r>
+              <a:rPr lang="en-US" altLang="ko-KR" b="0">
+                <a:solidFill>
+                  <a:srgbClr val="0000FF"/>
+                </a:solidFill>
+                <a:effectLst/>
+                <a:latin typeface="Consolas" panose="020B0609020204030204" pitchFamily="49" charset="0"/>
+              </a:rPr>
+              <a:t>let</a:t>
+            </a:r>
+            <a:r>
+              <a:rPr lang="en-US" altLang="ko-KR" b="0">
+                <a:solidFill>
+                  <a:srgbClr val="000000"/>
+                </a:solidFill>
+                <a:effectLst/>
+                <a:latin typeface="Consolas" panose="020B0609020204030204" pitchFamily="49" charset="0"/>
+              </a:rPr>
+              <a:t> first = phone.slice(</a:t>
+            </a:r>
+            <a:r>
+              <a:rPr lang="en-US" altLang="ko-KR" b="0">
+                <a:solidFill>
+                  <a:srgbClr val="098658"/>
+                </a:solidFill>
+                <a:effectLst/>
+                <a:latin typeface="Consolas" panose="020B0609020204030204" pitchFamily="49" charset="0"/>
+              </a:rPr>
+              <a:t>0</a:t>
+            </a:r>
+            <a:r>
+              <a:rPr lang="en-US" altLang="ko-KR" b="0">
+                <a:solidFill>
+                  <a:srgbClr val="000000"/>
+                </a:solidFill>
+                <a:effectLst/>
+                <a:latin typeface="Consolas" panose="020B0609020204030204" pitchFamily="49" charset="0"/>
+              </a:rPr>
+              <a:t>, phone.length-</a:t>
+            </a:r>
+            <a:r>
+              <a:rPr lang="en-US" altLang="ko-KR" b="0">
+                <a:solidFill>
+                  <a:srgbClr val="098658"/>
+                </a:solidFill>
+                <a:effectLst/>
+                <a:latin typeface="Consolas" panose="020B0609020204030204" pitchFamily="49" charset="0"/>
+              </a:rPr>
+              <a:t>4</a:t>
+            </a:r>
+            <a:r>
+              <a:rPr lang="en-US" altLang="ko-KR" b="0">
+                <a:solidFill>
+                  <a:srgbClr val="000000"/>
+                </a:solidFill>
+                <a:effectLst/>
+                <a:latin typeface="Consolas" panose="020B0609020204030204" pitchFamily="49" charset="0"/>
+              </a:rPr>
+              <a:t>);</a:t>
+            </a:r>
+          </a:p>
+          <a:p>
+            <a:r>
+              <a:rPr lang="en-US" altLang="ko-KR" b="0">
+                <a:solidFill>
+                  <a:srgbClr val="000000"/>
+                </a:solidFill>
+                <a:effectLst/>
+                <a:latin typeface="Consolas" panose="020B0609020204030204" pitchFamily="49" charset="0"/>
+              </a:rPr>
+              <a:t>  phone = first.padEnd(phone.length, </a:t>
+            </a:r>
+            <a:r>
+              <a:rPr lang="en-US" altLang="ko-KR" b="0">
+                <a:solidFill>
+                  <a:srgbClr val="A31515"/>
+                </a:solidFill>
+                <a:effectLst/>
+                <a:latin typeface="Consolas" panose="020B0609020204030204" pitchFamily="49" charset="0"/>
+              </a:rPr>
+              <a:t>'X'</a:t>
+            </a:r>
+            <a:r>
+              <a:rPr lang="en-US" altLang="ko-KR" b="0">
+                <a:solidFill>
+                  <a:srgbClr val="000000"/>
+                </a:solidFill>
+                <a:effectLst/>
+                <a:latin typeface="Consolas" panose="020B0609020204030204" pitchFamily="49" charset="0"/>
+              </a:rPr>
+              <a:t>);</a:t>
+            </a:r>
+          </a:p>
+          <a:p>
+            <a:r>
+              <a:rPr lang="en-US" altLang="ko-KR" b="0">
+                <a:solidFill>
+                  <a:srgbClr val="000000"/>
+                </a:solidFill>
+                <a:effectLst/>
+                <a:latin typeface="Consolas" panose="020B0609020204030204" pitchFamily="49" charset="0"/>
+              </a:rPr>
+              <a:t>  </a:t>
+            </a:r>
+            <a:r>
+              <a:rPr lang="en-US" altLang="ko-KR" b="0">
+                <a:solidFill>
+                  <a:srgbClr val="0000FF"/>
+                </a:solidFill>
+                <a:effectLst/>
+                <a:latin typeface="Consolas" panose="020B0609020204030204" pitchFamily="49" charset="0"/>
+              </a:rPr>
+              <a:t>let</a:t>
+            </a:r>
+            <a:r>
+              <a:rPr lang="en-US" altLang="ko-KR" b="0">
+                <a:solidFill>
+                  <a:srgbClr val="000000"/>
+                </a:solidFill>
+                <a:effectLst/>
+                <a:latin typeface="Consolas" panose="020B0609020204030204" pitchFamily="49" charset="0"/>
+              </a:rPr>
+              <a:t> result = strings[</a:t>
+            </a:r>
+            <a:r>
+              <a:rPr lang="en-US" altLang="ko-KR" b="0">
+                <a:solidFill>
+                  <a:srgbClr val="098658"/>
+                </a:solidFill>
+                <a:effectLst/>
+                <a:latin typeface="Consolas" panose="020B0609020204030204" pitchFamily="49" charset="0"/>
+              </a:rPr>
+              <a:t>0</a:t>
+            </a:r>
+            <a:r>
+              <a:rPr lang="en-US" altLang="ko-KR" b="0">
+                <a:solidFill>
+                  <a:srgbClr val="000000"/>
+                </a:solidFill>
+                <a:effectLst/>
+                <a:latin typeface="Consolas" panose="020B0609020204030204" pitchFamily="49" charset="0"/>
+              </a:rPr>
+              <a:t>] + name + strings[</a:t>
+            </a:r>
+            <a:r>
+              <a:rPr lang="en-US" altLang="ko-KR" b="0">
+                <a:solidFill>
+                  <a:srgbClr val="098658"/>
+                </a:solidFill>
+                <a:effectLst/>
+                <a:latin typeface="Consolas" panose="020B0609020204030204" pitchFamily="49" charset="0"/>
+              </a:rPr>
+              <a:t>1</a:t>
+            </a:r>
+            <a:r>
+              <a:rPr lang="en-US" altLang="ko-KR" b="0">
+                <a:solidFill>
+                  <a:srgbClr val="000000"/>
+                </a:solidFill>
+                <a:effectLst/>
+                <a:latin typeface="Consolas" panose="020B0609020204030204" pitchFamily="49" charset="0"/>
+              </a:rPr>
+              <a:t>] + age + strings[</a:t>
+            </a:r>
+            <a:r>
+              <a:rPr lang="en-US" altLang="ko-KR" b="0">
+                <a:solidFill>
+                  <a:srgbClr val="098658"/>
+                </a:solidFill>
+                <a:effectLst/>
+                <a:latin typeface="Consolas" panose="020B0609020204030204" pitchFamily="49" charset="0"/>
+              </a:rPr>
+              <a:t>2</a:t>
+            </a:r>
+            <a:r>
+              <a:rPr lang="en-US" altLang="ko-KR" b="0">
+                <a:solidFill>
+                  <a:srgbClr val="000000"/>
+                </a:solidFill>
+                <a:effectLst/>
+                <a:latin typeface="Consolas" panose="020B0609020204030204" pitchFamily="49" charset="0"/>
+              </a:rPr>
+              <a:t>] + phone + strings[</a:t>
+            </a:r>
+            <a:r>
+              <a:rPr lang="en-US" altLang="ko-KR" b="0">
+                <a:solidFill>
+                  <a:srgbClr val="098658"/>
+                </a:solidFill>
+                <a:effectLst/>
+                <a:latin typeface="Consolas" panose="020B0609020204030204" pitchFamily="49" charset="0"/>
+              </a:rPr>
+              <a:t>3</a:t>
+            </a:r>
+            <a:r>
+              <a:rPr lang="en-US" altLang="ko-KR" b="0">
+                <a:solidFill>
+                  <a:srgbClr val="000000"/>
+                </a:solidFill>
+                <a:effectLst/>
+                <a:latin typeface="Consolas" panose="020B0609020204030204" pitchFamily="49" charset="0"/>
+              </a:rPr>
+              <a:t>] + address + strings[</a:t>
+            </a:r>
+            <a:r>
+              <a:rPr lang="en-US" altLang="ko-KR" b="0">
+                <a:solidFill>
+                  <a:srgbClr val="098658"/>
+                </a:solidFill>
+                <a:effectLst/>
+                <a:latin typeface="Consolas" panose="020B0609020204030204" pitchFamily="49" charset="0"/>
+              </a:rPr>
+              <a:t>4</a:t>
+            </a:r>
+            <a:r>
+              <a:rPr lang="en-US" altLang="ko-KR" b="0">
+                <a:solidFill>
+                  <a:srgbClr val="000000"/>
+                </a:solidFill>
+                <a:effectLst/>
+                <a:latin typeface="Consolas" panose="020B0609020204030204" pitchFamily="49" charset="0"/>
+              </a:rPr>
+              <a:t>];</a:t>
+            </a:r>
+          </a:p>
+          <a:p>
+            <a:r>
+              <a:rPr lang="en-US" altLang="ko-KR" b="0">
+                <a:solidFill>
+                  <a:srgbClr val="000000"/>
+                </a:solidFill>
+                <a:effectLst/>
+                <a:latin typeface="Consolas" panose="020B0609020204030204" pitchFamily="49" charset="0"/>
+              </a:rPr>
+              <a:t>  </a:t>
+            </a:r>
+            <a:r>
+              <a:rPr lang="en-US" altLang="ko-KR" b="0">
+                <a:solidFill>
+                  <a:srgbClr val="0000FF"/>
+                </a:solidFill>
+                <a:effectLst/>
+                <a:latin typeface="Consolas" panose="020B0609020204030204" pitchFamily="49" charset="0"/>
+              </a:rPr>
+              <a:t>return</a:t>
+            </a:r>
+            <a:r>
+              <a:rPr lang="en-US" altLang="ko-KR" b="0">
+                <a:solidFill>
+                  <a:srgbClr val="000000"/>
+                </a:solidFill>
+                <a:effectLst/>
+                <a:latin typeface="Consolas" panose="020B0609020204030204" pitchFamily="49" charset="0"/>
+              </a:rPr>
+              <a:t> result;</a:t>
+            </a:r>
+          </a:p>
+          <a:p>
+            <a:r>
+              <a:rPr lang="en-US" altLang="ko-KR" b="0">
+                <a:solidFill>
+                  <a:srgbClr val="000000"/>
+                </a:solidFill>
+                <a:effectLst/>
+                <a:latin typeface="Consolas" panose="020B0609020204030204" pitchFamily="49" charset="0"/>
+              </a:rPr>
+              <a:t>}</a:t>
+            </a:r>
+            <a:br>
+              <a:rPr lang="en-US" altLang="ko-KR" b="0">
+                <a:solidFill>
+                  <a:srgbClr val="000000"/>
+                </a:solidFill>
+                <a:effectLst/>
+                <a:latin typeface="Consolas" panose="020B0609020204030204" pitchFamily="49" charset="0"/>
+              </a:rPr>
+            </a:br>
+            <a:r>
+              <a:rPr lang="en-US" altLang="ko-KR" b="0">
+                <a:solidFill>
+                  <a:srgbClr val="0000FF"/>
+                </a:solidFill>
+                <a:effectLst/>
+                <a:latin typeface="Consolas" panose="020B0609020204030204" pitchFamily="49" charset="0"/>
+              </a:rPr>
+              <a:t>var</a:t>
+            </a:r>
+            <a:r>
+              <a:rPr lang="en-US" altLang="ko-KR" b="0">
+                <a:solidFill>
+                  <a:srgbClr val="000000"/>
+                </a:solidFill>
+                <a:effectLst/>
+                <a:latin typeface="Consolas" panose="020B0609020204030204" pitchFamily="49" charset="0"/>
+              </a:rPr>
+              <a:t> kim = userInfo</a:t>
+            </a:r>
+            <a:r>
+              <a:rPr lang="en-US" altLang="ko-KR" b="0">
+                <a:solidFill>
+                  <a:srgbClr val="A31515"/>
+                </a:solidFill>
+                <a:effectLst/>
+                <a:latin typeface="Consolas" panose="020B0609020204030204" pitchFamily="49" charset="0"/>
+              </a:rPr>
+              <a:t>`</a:t>
+            </a:r>
+            <a:r>
+              <a:rPr lang="en-US" altLang="ko-KR" b="0">
+                <a:solidFill>
+                  <a:srgbClr val="0000FF"/>
+                </a:solidFill>
+                <a:effectLst/>
+                <a:latin typeface="Consolas" panose="020B0609020204030204" pitchFamily="49" charset="0"/>
+              </a:rPr>
+              <a:t>${</a:t>
+            </a:r>
+            <a:r>
+              <a:rPr lang="en-US" altLang="ko-KR" b="0">
+                <a:solidFill>
+                  <a:srgbClr val="000000"/>
+                </a:solidFill>
+                <a:effectLst/>
+                <a:latin typeface="Consolas" panose="020B0609020204030204" pitchFamily="49" charset="0"/>
+              </a:rPr>
+              <a:t>user.userName</a:t>
+            </a:r>
+            <a:r>
+              <a:rPr lang="en-US" altLang="ko-KR" b="0">
+                <a:solidFill>
+                  <a:srgbClr val="0000FF"/>
+                </a:solidFill>
+                <a:effectLst/>
+                <a:latin typeface="Consolas" panose="020B0609020204030204" pitchFamily="49" charset="0"/>
+              </a:rPr>
+              <a:t>}</a:t>
+            </a:r>
+            <a:r>
+              <a:rPr lang="ko-KR" altLang="en-US" b="0">
+                <a:solidFill>
+                  <a:srgbClr val="A31515"/>
+                </a:solidFill>
+                <a:effectLst/>
+                <a:latin typeface="Consolas" panose="020B0609020204030204" pitchFamily="49" charset="0"/>
+              </a:rPr>
+              <a:t>님의 정보입니다</a:t>
+            </a:r>
+            <a:r>
+              <a:rPr lang="en-US" altLang="ko-KR" b="0">
+                <a:solidFill>
+                  <a:srgbClr val="A31515"/>
+                </a:solidFill>
+                <a:effectLst/>
+                <a:latin typeface="Consolas" panose="020B0609020204030204" pitchFamily="49" charset="0"/>
+              </a:rPr>
+              <a:t>. </a:t>
+            </a:r>
+            <a:r>
+              <a:rPr lang="ko-KR" altLang="en-US" b="0">
+                <a:solidFill>
+                  <a:srgbClr val="A31515"/>
+                </a:solidFill>
+                <a:effectLst/>
+                <a:latin typeface="Consolas" panose="020B0609020204030204" pitchFamily="49" charset="0"/>
+              </a:rPr>
+              <a:t>나이</a:t>
+            </a:r>
+            <a:r>
+              <a:rPr lang="en-US" altLang="ko-KR" b="0">
+                <a:solidFill>
+                  <a:srgbClr val="A31515"/>
+                </a:solidFill>
+                <a:effectLst/>
+                <a:latin typeface="Consolas" panose="020B0609020204030204" pitchFamily="49" charset="0"/>
+              </a:rPr>
+              <a:t>: </a:t>
+            </a:r>
+            <a:r>
+              <a:rPr lang="en-US" altLang="ko-KR" b="0">
+                <a:solidFill>
+                  <a:srgbClr val="0000FF"/>
+                </a:solidFill>
+                <a:effectLst/>
+                <a:latin typeface="Consolas" panose="020B0609020204030204" pitchFamily="49" charset="0"/>
+              </a:rPr>
+              <a:t>${</a:t>
+            </a:r>
+            <a:r>
+              <a:rPr lang="en-US" altLang="ko-KR" b="0">
+                <a:solidFill>
+                  <a:srgbClr val="000000"/>
+                </a:solidFill>
+                <a:effectLst/>
+                <a:latin typeface="Consolas" panose="020B0609020204030204" pitchFamily="49" charset="0"/>
+              </a:rPr>
+              <a:t>user.age</a:t>
+            </a:r>
+            <a:r>
+              <a:rPr lang="en-US" altLang="ko-KR" b="0">
+                <a:solidFill>
+                  <a:srgbClr val="0000FF"/>
+                </a:solidFill>
+                <a:effectLst/>
+                <a:latin typeface="Consolas" panose="020B0609020204030204" pitchFamily="49" charset="0"/>
+              </a:rPr>
+              <a:t>}</a:t>
+            </a:r>
+            <a:r>
+              <a:rPr lang="en-US" altLang="ko-KR" b="0">
+                <a:solidFill>
+                  <a:srgbClr val="A31515"/>
+                </a:solidFill>
+                <a:effectLst/>
+                <a:latin typeface="Consolas" panose="020B0609020204030204" pitchFamily="49" charset="0"/>
+              </a:rPr>
+              <a:t> </a:t>
+            </a:r>
+            <a:r>
+              <a:rPr lang="ko-KR" altLang="en-US" b="0">
+                <a:solidFill>
+                  <a:srgbClr val="A31515"/>
+                </a:solidFill>
+                <a:effectLst/>
+                <a:latin typeface="Consolas" panose="020B0609020204030204" pitchFamily="49" charset="0"/>
+              </a:rPr>
+              <a:t>전화번호</a:t>
+            </a:r>
+            <a:r>
+              <a:rPr lang="en-US" altLang="ko-KR" b="0">
+                <a:solidFill>
+                  <a:srgbClr val="A31515"/>
+                </a:solidFill>
+                <a:effectLst/>
+                <a:latin typeface="Consolas" panose="020B0609020204030204" pitchFamily="49" charset="0"/>
+              </a:rPr>
+              <a:t>: </a:t>
+            </a:r>
+            <a:r>
+              <a:rPr lang="en-US" altLang="ko-KR" b="0">
+                <a:solidFill>
+                  <a:srgbClr val="0000FF"/>
+                </a:solidFill>
+                <a:effectLst/>
+                <a:latin typeface="Consolas" panose="020B0609020204030204" pitchFamily="49" charset="0"/>
+              </a:rPr>
+              <a:t>${</a:t>
+            </a:r>
+            <a:r>
+              <a:rPr lang="en-US" altLang="ko-KR" b="0">
+                <a:solidFill>
+                  <a:srgbClr val="000000"/>
+                </a:solidFill>
+                <a:effectLst/>
+                <a:latin typeface="Consolas" panose="020B0609020204030204" pitchFamily="49" charset="0"/>
+              </a:rPr>
+              <a:t>user.phone</a:t>
+            </a:r>
+            <a:r>
+              <a:rPr lang="en-US" altLang="ko-KR" b="0">
+                <a:solidFill>
+                  <a:srgbClr val="0000FF"/>
+                </a:solidFill>
+                <a:effectLst/>
+                <a:latin typeface="Consolas" panose="020B0609020204030204" pitchFamily="49" charset="0"/>
+              </a:rPr>
+              <a:t>}</a:t>
+            </a:r>
+            <a:r>
+              <a:rPr lang="en-US" altLang="ko-KR" b="0">
+                <a:solidFill>
+                  <a:srgbClr val="A31515"/>
+                </a:solidFill>
+                <a:effectLst/>
+                <a:latin typeface="Consolas" panose="020B0609020204030204" pitchFamily="49" charset="0"/>
+              </a:rPr>
+              <a:t> </a:t>
+            </a:r>
+            <a:r>
+              <a:rPr lang="ko-KR" altLang="en-US" b="0">
+                <a:solidFill>
+                  <a:srgbClr val="A31515"/>
+                </a:solidFill>
+                <a:effectLst/>
+                <a:latin typeface="Consolas" panose="020B0609020204030204" pitchFamily="49" charset="0"/>
+              </a:rPr>
+              <a:t>주소</a:t>
+            </a:r>
+            <a:r>
+              <a:rPr lang="en-US" altLang="ko-KR" b="0">
+                <a:solidFill>
+                  <a:srgbClr val="A31515"/>
+                </a:solidFill>
+                <a:effectLst/>
+                <a:latin typeface="Consolas" panose="020B0609020204030204" pitchFamily="49" charset="0"/>
+              </a:rPr>
+              <a:t>: </a:t>
+            </a:r>
+            <a:r>
+              <a:rPr lang="en-US" altLang="ko-KR" b="0">
+                <a:solidFill>
+                  <a:srgbClr val="0000FF"/>
+                </a:solidFill>
+                <a:effectLst/>
+                <a:latin typeface="Consolas" panose="020B0609020204030204" pitchFamily="49" charset="0"/>
+              </a:rPr>
+              <a:t>${</a:t>
+            </a:r>
+            <a:r>
+              <a:rPr lang="en-US" altLang="ko-KR" b="0">
+                <a:solidFill>
+                  <a:srgbClr val="000000"/>
+                </a:solidFill>
+                <a:effectLst/>
+                <a:latin typeface="Consolas" panose="020B0609020204030204" pitchFamily="49" charset="0"/>
+              </a:rPr>
+              <a:t>user.address</a:t>
+            </a:r>
+            <a:r>
+              <a:rPr lang="en-US" altLang="ko-KR" b="0">
+                <a:solidFill>
+                  <a:srgbClr val="0000FF"/>
+                </a:solidFill>
+                <a:effectLst/>
+                <a:latin typeface="Consolas" panose="020B0609020204030204" pitchFamily="49" charset="0"/>
+              </a:rPr>
+              <a:t>}</a:t>
+            </a:r>
+            <a:r>
+              <a:rPr lang="en-US" altLang="ko-KR" b="0">
+                <a:solidFill>
+                  <a:srgbClr val="A31515"/>
+                </a:solidFill>
+                <a:effectLst/>
+                <a:latin typeface="Consolas" panose="020B0609020204030204" pitchFamily="49" charset="0"/>
+              </a:rPr>
+              <a:t>`</a:t>
+            </a:r>
+            <a:r>
+              <a:rPr lang="en-US" altLang="ko-KR" b="0">
+                <a:solidFill>
+                  <a:srgbClr val="000000"/>
+                </a:solidFill>
+                <a:effectLst/>
+                <a:latin typeface="Consolas" panose="020B0609020204030204" pitchFamily="49" charset="0"/>
+              </a:rPr>
+              <a:t>;</a:t>
+            </a:r>
+          </a:p>
+        </p:txBody>
+      </p:sp>
+      <p:sp>
+        <p:nvSpPr>
+          <p:cNvPr id="10" name="TextBox 9">
+            <a:extLst>
+              <a:ext uri="{FF2B5EF4-FFF2-40B4-BE49-F238E27FC236}">
+                <a16:creationId xmlns:a16="http://schemas.microsoft.com/office/drawing/2014/main" id="{57A86295-212F-49EB-A230-AAFBA7E45FA7}"/>
+              </a:ext>
+            </a:extLst>
+          </p:cNvPr>
+          <p:cNvSpPr txBox="1"/>
+          <p:nvPr/>
+        </p:nvSpPr>
+        <p:spPr>
+          <a:xfrm>
+            <a:off x="1116343" y="6123370"/>
+            <a:ext cx="8879304" cy="369332"/>
+          </a:xfrm>
+          <a:prstGeom prst="rect">
+            <a:avLst/>
+          </a:prstGeom>
+          <a:noFill/>
+          <a:ln>
+            <a:solidFill>
+              <a:schemeClr val="tx1"/>
+            </a:solidFill>
+          </a:ln>
+        </p:spPr>
+        <p:txBody>
+          <a:bodyPr wrap="square">
+            <a:spAutoFit/>
+          </a:bodyPr>
+          <a:lstStyle/>
+          <a:p>
+            <a:r>
+              <a:rPr lang="ko-KR" altLang="en-US" b="0">
+                <a:solidFill>
+                  <a:srgbClr val="000000"/>
+                </a:solidFill>
+                <a:effectLst/>
+                <a:latin typeface="Consolas" panose="020B0609020204030204" pitchFamily="49" charset="0"/>
+                <a:ea typeface="Noto Sans CJK KR Regular" panose="020B0500000000000000" pitchFamily="34" charset="-127"/>
+              </a:rPr>
+              <a:t>김철수님의 정보입니다</a:t>
+            </a:r>
+            <a:r>
+              <a:rPr lang="en-US" altLang="ko-KR" b="0">
+                <a:solidFill>
+                  <a:srgbClr val="000000"/>
+                </a:solidFill>
+                <a:effectLst/>
+                <a:latin typeface="Consolas" panose="020B0609020204030204" pitchFamily="49" charset="0"/>
+                <a:ea typeface="Noto Sans CJK KR Regular" panose="020B0500000000000000" pitchFamily="34" charset="-127"/>
+              </a:rPr>
+              <a:t>. </a:t>
+            </a:r>
+            <a:r>
+              <a:rPr lang="ko-KR" altLang="en-US" b="0">
+                <a:solidFill>
+                  <a:srgbClr val="000000"/>
+                </a:solidFill>
+                <a:effectLst/>
+                <a:latin typeface="Consolas" panose="020B0609020204030204" pitchFamily="49" charset="0"/>
+                <a:ea typeface="Noto Sans CJK KR Regular" panose="020B0500000000000000" pitchFamily="34" charset="-127"/>
+              </a:rPr>
+              <a:t>나이</a:t>
+            </a:r>
+            <a:r>
+              <a:rPr lang="en-US" altLang="ko-KR" b="0">
+                <a:solidFill>
+                  <a:srgbClr val="000000"/>
+                </a:solidFill>
+                <a:effectLst/>
+                <a:latin typeface="Consolas" panose="020B0609020204030204" pitchFamily="49" charset="0"/>
+                <a:ea typeface="Noto Sans CJK KR Regular" panose="020B0500000000000000" pitchFamily="34" charset="-127"/>
+              </a:rPr>
+              <a:t>: 30</a:t>
+            </a:r>
+            <a:r>
+              <a:rPr lang="ko-KR" altLang="en-US" b="0">
+                <a:solidFill>
+                  <a:srgbClr val="000000"/>
+                </a:solidFill>
+                <a:effectLst/>
+                <a:latin typeface="Consolas" panose="020B0609020204030204" pitchFamily="49" charset="0"/>
+                <a:ea typeface="Noto Sans CJK KR Regular" panose="020B0500000000000000" pitchFamily="34" charset="-127"/>
+              </a:rPr>
+              <a:t> 전화번호</a:t>
+            </a:r>
+            <a:r>
+              <a:rPr lang="en-US" altLang="ko-KR" b="0">
+                <a:solidFill>
+                  <a:srgbClr val="000000"/>
+                </a:solidFill>
+                <a:effectLst/>
+                <a:latin typeface="Consolas" panose="020B0609020204030204" pitchFamily="49" charset="0"/>
+                <a:ea typeface="Noto Sans CJK KR Regular" panose="020B0500000000000000" pitchFamily="34" charset="-127"/>
+              </a:rPr>
+              <a:t>: 010222XXXX </a:t>
+            </a:r>
+            <a:r>
+              <a:rPr lang="ko-KR" altLang="en-US" b="0">
+                <a:solidFill>
+                  <a:srgbClr val="000000"/>
+                </a:solidFill>
+                <a:effectLst/>
+                <a:latin typeface="Consolas" panose="020B0609020204030204" pitchFamily="49" charset="0"/>
+                <a:ea typeface="Noto Sans CJK KR Regular" panose="020B0500000000000000" pitchFamily="34" charset="-127"/>
+              </a:rPr>
+              <a:t>주소</a:t>
+            </a:r>
+            <a:r>
+              <a:rPr lang="en-US" altLang="ko-KR" b="0">
+                <a:solidFill>
+                  <a:srgbClr val="000000"/>
+                </a:solidFill>
+                <a:effectLst/>
+                <a:latin typeface="Consolas" panose="020B0609020204030204" pitchFamily="49" charset="0"/>
+                <a:ea typeface="Noto Sans CJK KR Regular" panose="020B0500000000000000" pitchFamily="34" charset="-127"/>
+              </a:rPr>
+              <a:t>: </a:t>
+            </a:r>
+            <a:r>
+              <a:rPr lang="ko-KR" altLang="en-US" b="0">
+                <a:solidFill>
+                  <a:srgbClr val="000000"/>
+                </a:solidFill>
+                <a:effectLst/>
+                <a:latin typeface="Consolas" panose="020B0609020204030204" pitchFamily="49" charset="0"/>
+                <a:ea typeface="Noto Sans CJK KR Regular" panose="020B0500000000000000" pitchFamily="34" charset="-127"/>
+              </a:rPr>
+              <a:t>서울특별시</a:t>
+            </a:r>
+          </a:p>
+        </p:txBody>
+      </p:sp>
+      <p:sp>
+        <p:nvSpPr>
+          <p:cNvPr id="2" name="슬라이드 번호 개체 틀 1">
+            <a:extLst>
+              <a:ext uri="{FF2B5EF4-FFF2-40B4-BE49-F238E27FC236}">
+                <a16:creationId xmlns:a16="http://schemas.microsoft.com/office/drawing/2014/main" id="{C732B61D-0D36-47CC-A597-6FDA0E1F6A00}"/>
+              </a:ext>
+            </a:extLst>
+          </p:cNvPr>
+          <p:cNvSpPr>
+            <a:spLocks noGrp="1"/>
+          </p:cNvSpPr>
+          <p:nvPr>
+            <p:ph type="sldNum" sz="quarter" idx="12"/>
+          </p:nvPr>
+        </p:nvSpPr>
+        <p:spPr/>
+        <p:txBody>
+          <a:bodyPr/>
+          <a:lstStyle/>
+          <a:p>
+            <a:fld id="{3D1FA427-4C48-8040-8FB9-DF0FCDFDEE83}" type="slidenum">
+              <a:rPr kumimoji="1" lang="ko-KR" altLang="en-US" smtClean="0"/>
+              <a:t>23</a:t>
+            </a:fld>
+            <a:endParaRPr kumimoji="1" lang="ko-KR" altLang="en-US"/>
+          </a:p>
+        </p:txBody>
+      </p:sp>
+      <p:sp>
+        <p:nvSpPr>
+          <p:cNvPr id="11" name="TextBox 10">
+            <a:extLst>
+              <a:ext uri="{FF2B5EF4-FFF2-40B4-BE49-F238E27FC236}">
+                <a16:creationId xmlns:a16="http://schemas.microsoft.com/office/drawing/2014/main" id="{CB5A0481-9F4D-4D27-8B10-158D6713D5B3}"/>
+              </a:ext>
+            </a:extLst>
+          </p:cNvPr>
+          <p:cNvSpPr txBox="1"/>
+          <p:nvPr/>
+        </p:nvSpPr>
+        <p:spPr>
+          <a:xfrm>
+            <a:off x="1116343" y="5320158"/>
+            <a:ext cx="8879304" cy="646331"/>
+          </a:xfrm>
+          <a:prstGeom prst="rect">
+            <a:avLst/>
+          </a:prstGeom>
+          <a:noFill/>
+          <a:ln>
+            <a:solidFill>
+              <a:schemeClr val="tx1"/>
+            </a:solidFill>
+          </a:ln>
+        </p:spPr>
+        <p:txBody>
+          <a:bodyPr wrap="square">
+            <a:spAutoFit/>
+          </a:bodyPr>
+          <a:lstStyle/>
+          <a:p>
+            <a:r>
+              <a:rPr lang="en-US" altLang="ko-KR" b="0">
+                <a:solidFill>
+                  <a:srgbClr val="000000"/>
+                </a:solidFill>
+                <a:effectLst/>
+                <a:latin typeface="Consolas" panose="020B0609020204030204" pitchFamily="49" charset="0"/>
+                <a:ea typeface="Noto Sans CJK KR Regular" panose="020B0500000000000000" pitchFamily="34" charset="-127"/>
+              </a:rPr>
+              <a:t>[ '', '</a:t>
+            </a:r>
+            <a:r>
+              <a:rPr lang="ko-KR" altLang="en-US" b="0">
+                <a:solidFill>
+                  <a:srgbClr val="000000"/>
+                </a:solidFill>
+                <a:effectLst/>
+                <a:latin typeface="Consolas" panose="020B0609020204030204" pitchFamily="49" charset="0"/>
+                <a:ea typeface="Noto Sans CJK KR Regular" panose="020B0500000000000000" pitchFamily="34" charset="-127"/>
+              </a:rPr>
+              <a:t>님의 정보입니다</a:t>
+            </a:r>
+            <a:r>
+              <a:rPr lang="en-US" altLang="ko-KR" b="0">
+                <a:solidFill>
+                  <a:srgbClr val="000000"/>
+                </a:solidFill>
+                <a:effectLst/>
+                <a:latin typeface="Consolas" panose="020B0609020204030204" pitchFamily="49" charset="0"/>
+                <a:ea typeface="Noto Sans CJK KR Regular" panose="020B0500000000000000" pitchFamily="34" charset="-127"/>
+              </a:rPr>
+              <a:t>. </a:t>
+            </a:r>
+            <a:r>
+              <a:rPr lang="ko-KR" altLang="en-US" b="0">
+                <a:solidFill>
+                  <a:srgbClr val="000000"/>
+                </a:solidFill>
+                <a:effectLst/>
+                <a:latin typeface="Consolas" panose="020B0609020204030204" pitchFamily="49" charset="0"/>
+                <a:ea typeface="Noto Sans CJK KR Regular" panose="020B0500000000000000" pitchFamily="34" charset="-127"/>
+              </a:rPr>
+              <a:t>나이</a:t>
+            </a:r>
+            <a:r>
+              <a:rPr lang="en-US" altLang="ko-KR" b="0">
+                <a:solidFill>
+                  <a:srgbClr val="000000"/>
+                </a:solidFill>
+                <a:effectLst/>
+                <a:latin typeface="Consolas" panose="020B0609020204030204" pitchFamily="49" charset="0"/>
+                <a:ea typeface="Noto Sans CJK KR Regular" panose="020B0500000000000000" pitchFamily="34" charset="-127"/>
+              </a:rPr>
+              <a:t>: ', ' </a:t>
+            </a:r>
+            <a:r>
+              <a:rPr lang="ko-KR" altLang="en-US" b="0">
+                <a:solidFill>
+                  <a:srgbClr val="000000"/>
+                </a:solidFill>
+                <a:effectLst/>
+                <a:latin typeface="Consolas" panose="020B0609020204030204" pitchFamily="49" charset="0"/>
+                <a:ea typeface="Noto Sans CJK KR Regular" panose="020B0500000000000000" pitchFamily="34" charset="-127"/>
+              </a:rPr>
+              <a:t>전화번호</a:t>
+            </a:r>
+            <a:r>
+              <a:rPr lang="en-US" altLang="ko-KR" b="0">
+                <a:solidFill>
+                  <a:srgbClr val="000000"/>
+                </a:solidFill>
+                <a:effectLst/>
+                <a:latin typeface="Consolas" panose="020B0609020204030204" pitchFamily="49" charset="0"/>
+                <a:ea typeface="Noto Sans CJK KR Regular" panose="020B0500000000000000" pitchFamily="34" charset="-127"/>
+              </a:rPr>
+              <a:t>: ', ' </a:t>
+            </a:r>
+            <a:r>
+              <a:rPr lang="ko-KR" altLang="en-US" b="0">
+                <a:solidFill>
+                  <a:srgbClr val="000000"/>
+                </a:solidFill>
+                <a:effectLst/>
+                <a:latin typeface="Consolas" panose="020B0609020204030204" pitchFamily="49" charset="0"/>
+                <a:ea typeface="Noto Sans CJK KR Regular" panose="020B0500000000000000" pitchFamily="34" charset="-127"/>
+              </a:rPr>
+              <a:t>주소</a:t>
+            </a:r>
+            <a:r>
+              <a:rPr lang="en-US" altLang="ko-KR" b="0">
+                <a:solidFill>
+                  <a:srgbClr val="000000"/>
+                </a:solidFill>
+                <a:effectLst/>
+                <a:latin typeface="Consolas" panose="020B0609020204030204" pitchFamily="49" charset="0"/>
+                <a:ea typeface="Noto Sans CJK KR Regular" panose="020B0500000000000000" pitchFamily="34" charset="-127"/>
+              </a:rPr>
+              <a:t>: ', '' ] </a:t>
+            </a:r>
+            <a:r>
+              <a:rPr lang="ko-KR" altLang="en-US" b="0">
+                <a:solidFill>
+                  <a:srgbClr val="000000"/>
+                </a:solidFill>
+                <a:effectLst/>
+                <a:latin typeface="Consolas" panose="020B0609020204030204" pitchFamily="49" charset="0"/>
+                <a:ea typeface="Noto Sans CJK KR Regular" panose="020B0500000000000000" pitchFamily="34" charset="-127"/>
+              </a:rPr>
+              <a:t>김철수 </a:t>
+            </a:r>
+            <a:r>
+              <a:rPr lang="en-US" altLang="ko-KR" b="0">
+                <a:solidFill>
+                  <a:srgbClr val="000000"/>
+                </a:solidFill>
+                <a:effectLst/>
+                <a:latin typeface="Consolas" panose="020B0609020204030204" pitchFamily="49" charset="0"/>
+                <a:ea typeface="Noto Sans CJK KR Regular" panose="020B0500000000000000" pitchFamily="34" charset="-127"/>
+              </a:rPr>
+              <a:t>30 0102223333 </a:t>
+            </a:r>
+            <a:r>
+              <a:rPr lang="ko-KR" altLang="en-US" b="0">
+                <a:solidFill>
+                  <a:srgbClr val="000000"/>
+                </a:solidFill>
+                <a:effectLst/>
+                <a:latin typeface="Consolas" panose="020B0609020204030204" pitchFamily="49" charset="0"/>
+                <a:ea typeface="Noto Sans CJK KR Regular" panose="020B0500000000000000" pitchFamily="34" charset="-127"/>
+              </a:rPr>
+              <a:t>서울특별시 종로구 종로</a:t>
+            </a:r>
+            <a:r>
+              <a:rPr lang="en-US" altLang="ko-KR" b="0">
+                <a:solidFill>
+                  <a:srgbClr val="000000"/>
+                </a:solidFill>
+                <a:effectLst/>
+                <a:latin typeface="Consolas" panose="020B0609020204030204" pitchFamily="49" charset="0"/>
+                <a:ea typeface="Noto Sans CJK KR Regular" panose="020B0500000000000000" pitchFamily="34" charset="-127"/>
+              </a:rPr>
+              <a:t>3</a:t>
+            </a:r>
+            <a:r>
+              <a:rPr lang="ko-KR" altLang="en-US" b="0">
+                <a:solidFill>
+                  <a:srgbClr val="000000"/>
+                </a:solidFill>
+                <a:effectLst/>
+                <a:latin typeface="Consolas" panose="020B0609020204030204" pitchFamily="49" charset="0"/>
+                <a:ea typeface="Noto Sans CJK KR Regular" panose="020B0500000000000000" pitchFamily="34" charset="-127"/>
+              </a:rPr>
+              <a:t>길 </a:t>
+            </a:r>
+            <a:r>
+              <a:rPr lang="en-US" altLang="ko-KR" b="0">
+                <a:solidFill>
+                  <a:srgbClr val="000000"/>
+                </a:solidFill>
+                <a:effectLst/>
+                <a:latin typeface="Consolas" panose="020B0609020204030204" pitchFamily="49" charset="0"/>
+                <a:ea typeface="Noto Sans CJK KR Regular" panose="020B0500000000000000" pitchFamily="34" charset="-127"/>
+              </a:rPr>
+              <a:t>17 D</a:t>
+            </a:r>
+            <a:r>
+              <a:rPr lang="ko-KR" altLang="en-US" b="0">
+                <a:solidFill>
+                  <a:srgbClr val="000000"/>
+                </a:solidFill>
+                <a:effectLst/>
+                <a:latin typeface="Consolas" panose="020B0609020204030204" pitchFamily="49" charset="0"/>
+                <a:ea typeface="Noto Sans CJK KR Regular" panose="020B0500000000000000" pitchFamily="34" charset="-127"/>
+              </a:rPr>
+              <a:t>타워</a:t>
+            </a:r>
+            <a:r>
+              <a:rPr lang="en-US" altLang="ko-KR" b="0">
+                <a:solidFill>
+                  <a:srgbClr val="000000"/>
+                </a:solidFill>
+                <a:effectLst/>
+                <a:latin typeface="Consolas" panose="020B0609020204030204" pitchFamily="49" charset="0"/>
+                <a:ea typeface="Noto Sans CJK KR Regular" panose="020B0500000000000000" pitchFamily="34" charset="-127"/>
+              </a:rPr>
+              <a:t>, 16-17</a:t>
+            </a:r>
+            <a:r>
+              <a:rPr lang="ko-KR" altLang="en-US" b="0">
+                <a:solidFill>
+                  <a:srgbClr val="000000"/>
+                </a:solidFill>
+                <a:effectLst/>
+                <a:latin typeface="Consolas" panose="020B0609020204030204" pitchFamily="49" charset="0"/>
+                <a:ea typeface="Noto Sans CJK KR Regular" panose="020B0500000000000000" pitchFamily="34" charset="-127"/>
+              </a:rPr>
+              <a:t>층 </a:t>
+            </a:r>
+            <a:r>
+              <a:rPr lang="en-US" altLang="ko-KR" b="0">
+                <a:solidFill>
+                  <a:srgbClr val="000000"/>
+                </a:solidFill>
+                <a:effectLst/>
+                <a:latin typeface="Consolas" panose="020B0609020204030204" pitchFamily="49" charset="0"/>
+                <a:ea typeface="Noto Sans CJK KR Regular" panose="020B0500000000000000" pitchFamily="34" charset="-127"/>
+              </a:rPr>
+              <a:t>(</a:t>
+            </a:r>
+            <a:r>
+              <a:rPr lang="ko-KR" altLang="en-US" b="0">
+                <a:solidFill>
+                  <a:srgbClr val="000000"/>
+                </a:solidFill>
+                <a:effectLst/>
+                <a:latin typeface="Consolas" panose="020B0609020204030204" pitchFamily="49" charset="0"/>
+                <a:ea typeface="Noto Sans CJK KR Regular" panose="020B0500000000000000" pitchFamily="34" charset="-127"/>
+              </a:rPr>
+              <a:t>주</a:t>
+            </a:r>
+            <a:r>
+              <a:rPr lang="en-US" altLang="ko-KR" b="0">
+                <a:solidFill>
+                  <a:srgbClr val="000000"/>
+                </a:solidFill>
+                <a:effectLst/>
+                <a:latin typeface="Consolas" panose="020B0609020204030204" pitchFamily="49" charset="0"/>
+                <a:ea typeface="Noto Sans CJK KR Regular" panose="020B0500000000000000" pitchFamily="34" charset="-127"/>
+              </a:rPr>
+              <a:t>)</a:t>
+            </a:r>
+            <a:r>
+              <a:rPr lang="ko-KR" altLang="en-US" b="0">
+                <a:solidFill>
+                  <a:srgbClr val="000000"/>
+                </a:solidFill>
+                <a:effectLst/>
+                <a:latin typeface="Consolas" panose="020B0609020204030204" pitchFamily="49" charset="0"/>
+                <a:ea typeface="Noto Sans CJK KR Regular" panose="020B0500000000000000" pitchFamily="34" charset="-127"/>
+              </a:rPr>
+              <a:t>멋쟁이사자처럼</a:t>
+            </a:r>
+          </a:p>
+        </p:txBody>
+      </p:sp>
+    </p:spTree>
+    <p:extLst>
+      <p:ext uri="{BB962C8B-B14F-4D97-AF65-F5344CB8AC3E}">
+        <p14:creationId xmlns:p14="http://schemas.microsoft.com/office/powerpoint/2010/main" val="1806627147"/>
+      </p:ext>
+    </p:extLst>
+  </p:cSld>
+  <p:clrMapOvr>
+    <a:masterClrMapping/>
+  </p:clrMapOvr>
+</p:sld>
+</file>
+
+<file path=ppt/slides/slide24.xml><?xml version="1.0" encoding="utf-8"?>
 <p:sld xmlns:a="http://schemas.openxmlformats.org/drawingml/2006/main" xmlns:r="http://schemas.openxmlformats.org/officeDocument/2006/relationships" xmlns:p="http://schemas.openxmlformats.org/presentationml/2006/main">
   <p:cSld>
     <p:spTree>
@@ -19426,7 +20962,7 @@
           <a:p>
             <a:fld id="{3D1FA427-4C48-8040-8FB9-DF0FCDFDEE83}" type="slidenum">
               <a:rPr kumimoji="1" lang="ko-KR" altLang="en-US" smtClean="0"/>
-              <a:t>23</a:t>
+              <a:t>24</a:t>
             </a:fld>
             <a:endParaRPr kumimoji="1" lang="ko-KR" altLang="en-US"/>
           </a:p>
@@ -19445,7 +20981,7 @@
 </p:sld>
 </file>
 
-<file path=ppt/slides/slide24.xml><?xml version="1.0" encoding="utf-8"?>
+<file path=ppt/slides/slide25.xml><?xml version="1.0" encoding="utf-8"?>
 <p:sld xmlns:a="http://schemas.openxmlformats.org/drawingml/2006/main" xmlns:r="http://schemas.openxmlformats.org/officeDocument/2006/relationships" xmlns:p="http://schemas.openxmlformats.org/presentationml/2006/main">
   <p:cSld>
     <p:spTree>
@@ -20164,7 +21700,7 @@
           <a:p>
             <a:fld id="{3D1FA427-4C48-8040-8FB9-DF0FCDFDEE83}" type="slidenum">
               <a:rPr kumimoji="1" lang="ko-KR" altLang="en-US" smtClean="0"/>
-              <a:t>24</a:t>
+              <a:t>25</a:t>
             </a:fld>
             <a:endParaRPr kumimoji="1" lang="ko-KR" altLang="en-US"/>
           </a:p>
@@ -20183,7 +21719,7 @@
 </p:sld>
 </file>
 
-<file path=ppt/slides/slide25.xml><?xml version="1.0" encoding="utf-8"?>
+<file path=ppt/slides/slide26.xml><?xml version="1.0" encoding="utf-8"?>
 <p:sld xmlns:a="http://schemas.openxmlformats.org/drawingml/2006/main" xmlns:r="http://schemas.openxmlformats.org/officeDocument/2006/relationships" xmlns:p="http://schemas.openxmlformats.org/presentationml/2006/main">
   <p:cSld>
     <p:spTree>
@@ -21087,7 +22623,7 @@
           <a:p>
             <a:fld id="{3D1FA427-4C48-8040-8FB9-DF0FCDFDEE83}" type="slidenum">
               <a:rPr kumimoji="1" lang="ko-KR" altLang="en-US" smtClean="0"/>
-              <a:t>25</a:t>
+              <a:t>26</a:t>
             </a:fld>
             <a:endParaRPr kumimoji="1" lang="ko-KR" altLang="en-US"/>
           </a:p>
@@ -21106,7 +22642,7 @@
 </p:sld>
 </file>
 
-<file path=ppt/slides/slide26.xml><?xml version="1.0" encoding="utf-8"?>
+<file path=ppt/slides/slide27.xml><?xml version="1.0" encoding="utf-8"?>
 <p:sld xmlns:a="http://schemas.openxmlformats.org/drawingml/2006/main" xmlns:r="http://schemas.openxmlformats.org/officeDocument/2006/relationships" xmlns:p="http://schemas.openxmlformats.org/presentationml/2006/main">
   <p:cSld>
     <p:spTree>
@@ -22219,7 +23755,7 @@
           <a:p>
             <a:fld id="{3D1FA427-4C48-8040-8FB9-DF0FCDFDEE83}" type="slidenum">
               <a:rPr kumimoji="1" lang="ko-KR" altLang="en-US" smtClean="0"/>
-              <a:t>26</a:t>
+              <a:t>27</a:t>
             </a:fld>
             <a:endParaRPr kumimoji="1" lang="ko-KR" altLang="en-US"/>
           </a:p>
